--- a/spring11/slides11/slides2m.pptx
+++ b/spring11/slides11/slides2m.pptx
@@ -273,7 +273,7 @@
             <a:fld id="{D875CB5D-1501-4E8C-8449-8F562B53033D}" type="datetimeFigureOut">
               <a:rPr lang="en-US" smtClean="0"/>
               <a:pPr/>
-              <a:t>1/30/10</a:t>
+              <a:t>2/3/11</a:t>
             </a:fld>
             <a:endParaRPr lang="en-US"/>
           </a:p>
@@ -435,7 +435,7 @@
             <a:fld id="{2E64E5CB-D4EF-403A-9BB6-139C52688DF7}" type="datetimeFigureOut">
               <a:rPr lang="en-US" smtClean="0"/>
               <a:pPr/>
-              <a:t>1/30/10</a:t>
+              <a:t>2/3/11</a:t>
             </a:fld>
             <a:endParaRPr lang="en-US"/>
           </a:p>
@@ -2365,7 +2365,7 @@
             <a:fld id="{265BEEE3-4D86-43EA-BCD4-72B5BC159959}" type="datetimeFigureOut">
               <a:rPr lang="en-US" smtClean="0"/>
               <a:pPr/>
-              <a:t>1/30/10</a:t>
+              <a:t>2/3/11</a:t>
             </a:fld>
             <a:endParaRPr lang="en-US"/>
           </a:p>
@@ -2566,7 +2566,7 @@
             <a:fld id="{265BEEE3-4D86-43EA-BCD4-72B5BC159959}" type="datetimeFigureOut">
               <a:rPr lang="en-US" smtClean="0"/>
               <a:pPr/>
-              <a:t>1/30/10</a:t>
+              <a:t>2/3/11</a:t>
             </a:fld>
             <a:endParaRPr lang="en-US"/>
           </a:p>
@@ -2946,7 +2946,7 @@
             <a:fld id="{265BEEE3-4D86-43EA-BCD4-72B5BC159959}" type="datetimeFigureOut">
               <a:rPr lang="en-US" smtClean="0"/>
               <a:pPr/>
-              <a:t>1/30/10</a:t>
+              <a:t>2/3/11</a:t>
             </a:fld>
             <a:endParaRPr lang="en-US"/>
           </a:p>
@@ -3255,7 +3255,7 @@
             <a:fld id="{265BEEE3-4D86-43EA-BCD4-72B5BC159959}" type="datetimeFigureOut">
               <a:rPr lang="en-US" smtClean="0"/>
               <a:pPr/>
-              <a:t>1/30/10</a:t>
+              <a:t>2/3/11</a:t>
             </a:fld>
             <a:endParaRPr lang="en-US"/>
           </a:p>
@@ -3698,7 +3698,7 @@
             <a:fld id="{265BEEE3-4D86-43EA-BCD4-72B5BC159959}" type="datetimeFigureOut">
               <a:rPr lang="en-US" smtClean="0"/>
               <a:pPr/>
-              <a:t>1/30/10</a:t>
+              <a:t>2/3/11</a:t>
             </a:fld>
             <a:endParaRPr lang="en-US"/>
           </a:p>
@@ -3837,7 +3837,7 @@
             <a:fld id="{265BEEE3-4D86-43EA-BCD4-72B5BC159959}" type="datetimeFigureOut">
               <a:rPr lang="en-US" smtClean="0"/>
               <a:pPr/>
-              <a:t>1/30/10</a:t>
+              <a:t>2/3/11</a:t>
             </a:fld>
             <a:endParaRPr lang="en-US"/>
           </a:p>
@@ -4174,7 +4174,7 @@
             <a:fld id="{265BEEE3-4D86-43EA-BCD4-72B5BC159959}" type="datetimeFigureOut">
               <a:rPr lang="en-US" smtClean="0"/>
               <a:pPr/>
-              <a:t>1/30/10</a:t>
+              <a:t>2/3/11</a:t>
             </a:fld>
             <a:endParaRPr lang="en-US"/>
           </a:p>
@@ -4448,7 +4448,7 @@
             <a:fld id="{265BEEE3-4D86-43EA-BCD4-72B5BC159959}" type="datetimeFigureOut">
               <a:rPr lang="en-US" smtClean="0"/>
               <a:pPr/>
-              <a:t>1/30/10</a:t>
+              <a:t>2/3/11</a:t>
             </a:fld>
             <a:endParaRPr lang="en-US"/>
           </a:p>
@@ -4822,7 +4822,7 @@
                 <a:uFillTx/>
                 <a:latin typeface="Comic Sans MS" pitchFamily="66" charset="0"/>
               </a:rPr>
-              <a:t>Albert R </a:t>
+              <a:t>Albert R Meyer               February.</a:t>
             </a:r>
             <a:r>
               <a:rPr kumimoji="0" lang="en-US" sz="1200" b="0" i="0" u="none" strike="noStrike" kern="1200" cap="none" spc="0" normalizeH="0" baseline="0" noProof="0" dirty="0" smtClean="0">
@@ -4837,7 +4837,7 @@
                 <a:uFillTx/>
                 <a:latin typeface="Comic Sans MS" pitchFamily="66" charset="0"/>
               </a:rPr>
-              <a:t>Meyer               February. 8, 2010</a:t>
+              <a:t> 7, 2011</a:t>
             </a:r>
             <a:endParaRPr kumimoji="0" lang="en-US" sz="1200" b="0" i="0" u="none" strike="noStrike" kern="1200" cap="none" spc="0" normalizeH="0" baseline="0" noProof="0" dirty="0">
               <a:ln>
@@ -6065,11 +6065,7 @@
             </a:r>
             <a:r>
               <a:rPr lang="en-US" sz="3800" dirty="0" smtClean="0"/>
-              <a:t> is not empty.  By WOP, have minimum </a:t>
-            </a:r>
-            <a:r>
-              <a:rPr lang="en-US" sz="3800" dirty="0" smtClean="0"/>
-              <a:t>element</a:t>
+              <a:t> is not empty.  By WOP, have minimum element</a:t>
             </a:r>
           </a:p>
           <a:p>

--- a/spring11/slides11/slides2m.pptx
+++ b/spring11/slides11/slides2m.pptx
@@ -4822,22 +4822,7 @@
                 <a:uFillTx/>
                 <a:latin typeface="Comic Sans MS" pitchFamily="66" charset="0"/>
               </a:rPr>
-              <a:t>Albert R Meyer               February.</a:t>
-            </a:r>
-            <a:r>
-              <a:rPr kumimoji="0" lang="en-US" sz="1200" b="0" i="0" u="none" strike="noStrike" kern="1200" cap="none" spc="0" normalizeH="0" baseline="0" noProof="0" dirty="0" smtClean="0">
-                <a:ln>
-                  <a:noFill/>
-                </a:ln>
-                <a:solidFill>
-                  <a:schemeClr val="tx1"/>
-                </a:solidFill>
-                <a:effectLst/>
-                <a:uLnTx/>
-                <a:uFillTx/>
-                <a:latin typeface="Comic Sans MS" pitchFamily="66" charset="0"/>
-              </a:rPr>
-              <a:t> 7, 2011</a:t>
+              <a:t>Albert R Meyer               February. 7, 2011</a:t>
             </a:r>
             <a:endParaRPr kumimoji="0" lang="en-US" sz="1200" b="0" i="0" u="none" strike="noStrike" kern="1200" cap="none" spc="0" normalizeH="0" baseline="0" noProof="0" dirty="0">
               <a:ln>
@@ -11218,13 +11203,13 @@
               </a:spcBef>
             </a:pPr>
             <a:r>
-              <a:rPr lang="en-US" sz="9600" dirty="0" smtClean="0">
+              <a:rPr lang="en-US" sz="9600" smtClean="0">
                 <a:sym typeface="Euclid Symbol"/>
               </a:rPr>
               <a:t>1</a:t>
             </a:r>
             <a:r>
-              <a:rPr lang="en-US" sz="9600" dirty="0" smtClean="0">
+              <a:rPr lang="en-US" sz="9600" smtClean="0">
                 <a:latin typeface="ＭＳ ゴシック"/>
                 <a:ea typeface="ＭＳ ゴシック"/>
                 <a:cs typeface="ＭＳ ゴシック"/>
@@ -11236,7 +11221,7 @@
               <a:rPr lang="en-US" sz="9600" dirty="0" smtClean="0">
                 <a:sym typeface="Euclid Symbol"/>
               </a:rPr>
-              <a:t>3</a:t>
+              <a:t>4</a:t>
             </a:r>
             <a:endParaRPr lang="en-US" sz="9600" dirty="0" smtClean="0"/>
           </a:p>

--- a/spring11/slides11/slides2m.pptx
+++ b/spring11/slides11/slides2m.pptx
@@ -5,10 +5,10 @@
     <p:sldMasterId id="2147483648" r:id="rId1"/>
   </p:sldMasterIdLst>
   <p:notesMasterIdLst>
-    <p:notesMasterId r:id="rId19"/>
+    <p:notesMasterId r:id="rId21"/>
   </p:notesMasterIdLst>
   <p:handoutMasterIdLst>
-    <p:handoutMasterId r:id="rId20"/>
+    <p:handoutMasterId r:id="rId22"/>
   </p:handoutMasterIdLst>
   <p:sldIdLst>
     <p:sldId id="276" r:id="rId2"/>
@@ -21,76 +21,78 @@
     <p:sldId id="284" r:id="rId9"/>
     <p:sldId id="285" r:id="rId10"/>
     <p:sldId id="286" r:id="rId11"/>
-    <p:sldId id="287" r:id="rId12"/>
-    <p:sldId id="322" r:id="rId13"/>
-    <p:sldId id="323" r:id="rId14"/>
-    <p:sldId id="325" r:id="rId15"/>
-    <p:sldId id="337" r:id="rId16"/>
-    <p:sldId id="338" r:id="rId17"/>
-    <p:sldId id="336" r:id="rId18"/>
+    <p:sldId id="322" r:id="rId12"/>
+    <p:sldId id="340" r:id="rId13"/>
+    <p:sldId id="339" r:id="rId14"/>
+    <p:sldId id="323" r:id="rId15"/>
+    <p:sldId id="325" r:id="rId16"/>
+    <p:sldId id="337" r:id="rId17"/>
+    <p:sldId id="338" r:id="rId18"/>
+    <p:sldId id="287" r:id="rId19"/>
+    <p:sldId id="336" r:id="rId20"/>
   </p:sldIdLst>
   <p:sldSz cx="9144000" cy="6858000" type="screen4x3"/>
   <p:notesSz cx="7315200" cy="9601200"/>
   <p:embeddedFontLst>
     <p:embeddedFont>
       <p:font typeface="Comic Sans MS"/>
-      <p:regular r:id="rId21"/>
-      <p:bold r:id="rId22"/>
+      <p:regular r:id="rId23"/>
+      <p:bold r:id="rId24"/>
     </p:embeddedFont>
     <p:embeddedFont>
       <p:font typeface="Calibri"/>
-      <p:regular r:id="rId23"/>
-      <p:bold r:id="rId24"/>
-      <p:italic r:id="rId25"/>
-      <p:boldItalic r:id="rId26"/>
+      <p:regular r:id="rId25"/>
+      <p:bold r:id="rId26"/>
+      <p:italic r:id="rId27"/>
+      <p:boldItalic r:id="rId28"/>
     </p:embeddedFont>
     <p:embeddedFont>
       <p:font typeface="CMEX10"/>
-      <p:regular r:id="rId27"/>
+      <p:regular r:id="rId29"/>
     </p:embeddedFont>
     <p:embeddedFont>
       <p:font typeface="EURM10"/>
-      <p:regular r:id="rId28"/>
+      <p:regular r:id="rId30"/>
     </p:embeddedFont>
     <p:embeddedFont>
       <p:font typeface="Euclid Symbol" charset="2"/>
-      <p:regular r:id="rId29"/>
-      <p:bold r:id="rId30"/>
-      <p:italic r:id="rId31"/>
-      <p:boldItalic r:id="rId32"/>
+      <p:regular r:id="rId31"/>
+      <p:bold r:id="rId32"/>
+      <p:italic r:id="rId33"/>
+      <p:boldItalic r:id="rId34"/>
     </p:embeddedFont>
     <p:embeddedFont>
       <p:font typeface="Euclid Extra" charset="2"/>
-      <p:regular r:id="rId33"/>
-      <p:bold r:id="rId34"/>
+      <p:regular r:id="rId35"/>
+      <p:bold r:id="rId36"/>
     </p:embeddedFont>
     <p:embeddedFont>
       <p:font typeface="Arial Unicode MS"/>
-      <p:regular r:id="rId35"/>
+      <p:regular r:id="rId37"/>
     </p:embeddedFont>
     <p:embeddedFont>
       <p:font typeface="Euclid Math Two" charset="2"/>
-      <p:regular r:id="rId36"/>
-      <p:bold r:id="rId37"/>
+      <p:regular r:id="rId38"/>
+      <p:bold r:id="rId39"/>
     </p:embeddedFont>
     <p:embeddedFont>
       <p:font typeface="cmsy10"/>
-      <p:regular r:id="rId38"/>
+      <p:regular r:id="rId40"/>
     </p:embeddedFont>
     <p:embeddedFont>
       <p:font typeface="Euclid"/>
-      <p:regular r:id="rId39"/>
-      <p:bold r:id="rId40"/>
-      <p:italic r:id="rId41"/>
-      <p:boldItalic r:id="rId42"/>
+      <p:regular r:id="rId41"/>
+      <p:bold r:id="rId42"/>
+      <p:italic r:id="rId43"/>
+      <p:boldItalic r:id="rId44"/>
     </p:embeddedFont>
     <p:embeddedFont>
       <p:font typeface="Mathematica7Mono"/>
-      <p:regular r:id="rId43"/>
+      <p:regular r:id="rId45"/>
     </p:embeddedFont>
   </p:embeddedFontLst>
   <p:custDataLst>
-    <p:tags r:id="rId45"/>
+    <p:tags r:id="rId47"/>
   </p:custDataLst>
   <p:defaultTextStyle>
     <a:defPPr>
@@ -273,7 +275,7 @@
             <a:fld id="{D875CB5D-1501-4E8C-8449-8F562B53033D}" type="datetimeFigureOut">
               <a:rPr lang="en-US" smtClean="0"/>
               <a:pPr/>
-              <a:t>2/3/11</a:t>
+              <a:t>2/7/11</a:t>
             </a:fld>
             <a:endParaRPr lang="en-US"/>
           </a:p>
@@ -435,7 +437,7 @@
             <a:fld id="{2E64E5CB-D4EF-403A-9BB6-139C52688DF7}" type="datetimeFigureOut">
               <a:rPr lang="en-US" smtClean="0"/>
               <a:pPr/>
-              <a:t>2/3/11</a:t>
+              <a:t>2/7/11</a:t>
             </a:fld>
             <a:endParaRPr lang="en-US"/>
           </a:p>
@@ -896,7 +898,7 @@
       </p:grpSpPr>
       <p:sp>
         <p:nvSpPr>
-          <p:cNvPr id="70658" name="Rectangle 7"/>
+          <p:cNvPr id="55298" name="Rectangle 7"/>
           <p:cNvSpPr>
             <a:spLocks noGrp="1" noChangeArrowheads="1"/>
           </p:cNvSpPr>
@@ -911,7 +913,7 @@
           <a:bodyPr/>
           <a:lstStyle/>
           <a:p>
-            <a:fld id="{69C77A1F-4F69-4834-B717-BEE7DFA70091}" type="slidenum">
+            <a:fld id="{2B84E921-0F66-4DD2-A052-C3014BF5DD99}" type="slidenum">
               <a:rPr lang="en-US">
                 <a:cs typeface="Arial" charset="0"/>
               </a:rPr>
@@ -926,7 +928,7 @@
       </p:sp>
       <p:sp>
         <p:nvSpPr>
-          <p:cNvPr id="70659" name="Rectangle 2"/>
+          <p:cNvPr id="55299" name="Rectangle 2"/>
           <p:cNvSpPr>
             <a:spLocks noGrp="1" noRot="1" noChangeAspect="1" noChangeArrowheads="1" noTextEdit="1"/>
           </p:cNvSpPr>
@@ -940,7 +942,7 @@
       </p:sp>
       <p:sp>
         <p:nvSpPr>
-          <p:cNvPr id="70660" name="Rectangle 3"/>
+          <p:cNvPr id="55300" name="Rectangle 3"/>
           <p:cNvSpPr>
             <a:spLocks noGrp="1" noChangeArrowheads="1"/>
           </p:cNvSpPr>
@@ -1080,7 +1082,7 @@
       </p:grpSpPr>
       <p:sp>
         <p:nvSpPr>
-          <p:cNvPr id="56322" name="Rectangle 7"/>
+          <p:cNvPr id="55298" name="Rectangle 7"/>
           <p:cNvSpPr>
             <a:spLocks noGrp="1" noChangeArrowheads="1"/>
           </p:cNvSpPr>
@@ -1095,7 +1097,7 @@
           <a:bodyPr/>
           <a:lstStyle/>
           <a:p>
-            <a:fld id="{ECD0A14A-37C9-4CF8-82A4-612EF4C9289C}" type="slidenum">
+            <a:fld id="{2B84E921-0F66-4DD2-A052-C3014BF5DD99}" type="slidenum">
               <a:rPr lang="en-US">
                 <a:cs typeface="Arial" charset="0"/>
               </a:rPr>
@@ -1110,7 +1112,7 @@
       </p:sp>
       <p:sp>
         <p:nvSpPr>
-          <p:cNvPr id="56323" name="Rectangle 2"/>
+          <p:cNvPr id="55299" name="Rectangle 2"/>
           <p:cNvSpPr>
             <a:spLocks noGrp="1" noRot="1" noChangeAspect="1" noChangeArrowheads="1" noTextEdit="1"/>
           </p:cNvSpPr>
@@ -1124,7 +1126,7 @@
       </p:sp>
       <p:sp>
         <p:nvSpPr>
-          <p:cNvPr id="56324" name="Rectangle 3"/>
+          <p:cNvPr id="55300" name="Rectangle 3"/>
           <p:cNvSpPr>
             <a:spLocks noGrp="1" noChangeArrowheads="1"/>
           </p:cNvSpPr>
@@ -1172,7 +1174,7 @@
       </p:grpSpPr>
       <p:sp>
         <p:nvSpPr>
-          <p:cNvPr id="58370" name="Rectangle 7"/>
+          <p:cNvPr id="56322" name="Rectangle 7"/>
           <p:cNvSpPr>
             <a:spLocks noGrp="1" noChangeArrowheads="1"/>
           </p:cNvSpPr>
@@ -1187,7 +1189,7 @@
           <a:bodyPr/>
           <a:lstStyle/>
           <a:p>
-            <a:fld id="{9CE643A7-21B0-4515-AD83-FC820013B14D}" type="slidenum">
+            <a:fld id="{ECD0A14A-37C9-4CF8-82A4-612EF4C9289C}" type="slidenum">
               <a:rPr lang="en-US">
                 <a:cs typeface="Arial" charset="0"/>
               </a:rPr>
@@ -1202,7 +1204,7 @@
       </p:sp>
       <p:sp>
         <p:nvSpPr>
-          <p:cNvPr id="58371" name="Rectangle 2"/>
+          <p:cNvPr id="56323" name="Rectangle 2"/>
           <p:cNvSpPr>
             <a:spLocks noGrp="1" noRot="1" noChangeAspect="1" noChangeArrowheads="1" noTextEdit="1"/>
           </p:cNvSpPr>
@@ -1216,7 +1218,7 @@
       </p:sp>
       <p:sp>
         <p:nvSpPr>
-          <p:cNvPr id="58372" name="Rectangle 3"/>
+          <p:cNvPr id="56324" name="Rectangle 3"/>
           <p:cNvSpPr>
             <a:spLocks noGrp="1" noChangeArrowheads="1"/>
           </p:cNvSpPr>
@@ -1264,6 +1266,190 @@
       </p:grpSpPr>
       <p:sp>
         <p:nvSpPr>
+          <p:cNvPr id="58370" name="Rectangle 7"/>
+          <p:cNvSpPr>
+            <a:spLocks noGrp="1" noChangeArrowheads="1"/>
+          </p:cNvSpPr>
+          <p:nvPr>
+            <p:ph type="sldNum" sz="quarter" idx="5"/>
+          </p:nvPr>
+        </p:nvSpPr>
+        <p:spPr>
+          <a:noFill/>
+        </p:spPr>
+        <p:txBody>
+          <a:bodyPr/>
+          <a:lstStyle/>
+          <a:p>
+            <a:fld id="{9CE643A7-21B0-4515-AD83-FC820013B14D}" type="slidenum">
+              <a:rPr lang="en-US">
+                <a:cs typeface="Arial" charset="0"/>
+              </a:rPr>
+              <a:pPr/>
+              <a:t>15</a:t>
+            </a:fld>
+            <a:endParaRPr lang="en-US">
+              <a:cs typeface="Arial" charset="0"/>
+            </a:endParaRPr>
+          </a:p>
+        </p:txBody>
+      </p:sp>
+      <p:sp>
+        <p:nvSpPr>
+          <p:cNvPr id="58371" name="Rectangle 2"/>
+          <p:cNvSpPr>
+            <a:spLocks noGrp="1" noRot="1" noChangeAspect="1" noChangeArrowheads="1" noTextEdit="1"/>
+          </p:cNvSpPr>
+          <p:nvPr>
+            <p:ph type="sldImg"/>
+          </p:nvPr>
+        </p:nvSpPr>
+        <p:spPr>
+          <a:ln/>
+        </p:spPr>
+      </p:sp>
+      <p:sp>
+        <p:nvSpPr>
+          <p:cNvPr id="58372" name="Rectangle 3"/>
+          <p:cNvSpPr>
+            <a:spLocks noGrp="1" noChangeArrowheads="1"/>
+          </p:cNvSpPr>
+          <p:nvPr>
+            <p:ph type="body" idx="1"/>
+          </p:nvPr>
+        </p:nvSpPr>
+        <p:spPr>
+          <a:noFill/>
+          <a:ln/>
+        </p:spPr>
+        <p:txBody>
+          <a:bodyPr/>
+          <a:lstStyle/>
+          <a:p>
+            <a:pPr eaLnBrk="1" hangingPunct="1"/>
+            <a:endParaRPr lang="en-US" smtClean="0"/>
+          </a:p>
+        </p:txBody>
+      </p:sp>
+    </p:spTree>
+  </p:cSld>
+  <p:clrMapOvr>
+    <a:masterClrMapping/>
+  </p:clrMapOvr>
+</p:notes>
+</file>
+
+<file path=ppt/notesSlides/notesSlide16.xml><?xml version="1.0" encoding="utf-8"?>
+<p:notes xmlns:a="http://schemas.openxmlformats.org/drawingml/2006/main" xmlns:r="http://schemas.openxmlformats.org/officeDocument/2006/relationships" xmlns:mc="http://schemas.openxmlformats.org/markup-compatibility/2006" xmlns:mv="urn:schemas-microsoft-com:mac:vml" xmlns:p="http://schemas.openxmlformats.org/presentationml/2006/main" mc:Ignorable="mv" mc:PreserveAttributes="mv:*">
+  <p:cSld>
+    <p:spTree>
+      <p:nvGrpSpPr>
+        <p:cNvPr id="1" name=""/>
+        <p:cNvGrpSpPr/>
+        <p:nvPr/>
+      </p:nvGrpSpPr>
+      <p:grpSpPr>
+        <a:xfrm>
+          <a:off x="0" y="0"/>
+          <a:ext cx="0" cy="0"/>
+          <a:chOff x="0" y="0"/>
+          <a:chExt cx="0" cy="0"/>
+        </a:xfrm>
+      </p:grpSpPr>
+      <p:sp>
+        <p:nvSpPr>
+          <p:cNvPr id="70658" name="Rectangle 7"/>
+          <p:cNvSpPr>
+            <a:spLocks noGrp="1" noChangeArrowheads="1"/>
+          </p:cNvSpPr>
+          <p:nvPr>
+            <p:ph type="sldNum" sz="quarter" idx="5"/>
+          </p:nvPr>
+        </p:nvSpPr>
+        <p:spPr>
+          <a:noFill/>
+        </p:spPr>
+        <p:txBody>
+          <a:bodyPr/>
+          <a:lstStyle/>
+          <a:p>
+            <a:fld id="{69C77A1F-4F69-4834-B717-BEE7DFA70091}" type="slidenum">
+              <a:rPr lang="en-US">
+                <a:cs typeface="Arial" charset="0"/>
+              </a:rPr>
+              <a:pPr/>
+              <a:t>18</a:t>
+            </a:fld>
+            <a:endParaRPr lang="en-US">
+              <a:cs typeface="Arial" charset="0"/>
+            </a:endParaRPr>
+          </a:p>
+        </p:txBody>
+      </p:sp>
+      <p:sp>
+        <p:nvSpPr>
+          <p:cNvPr id="70659" name="Rectangle 2"/>
+          <p:cNvSpPr>
+            <a:spLocks noGrp="1" noRot="1" noChangeAspect="1" noChangeArrowheads="1" noTextEdit="1"/>
+          </p:cNvSpPr>
+          <p:nvPr>
+            <p:ph type="sldImg"/>
+          </p:nvPr>
+        </p:nvSpPr>
+        <p:spPr>
+          <a:ln/>
+        </p:spPr>
+      </p:sp>
+      <p:sp>
+        <p:nvSpPr>
+          <p:cNvPr id="70660" name="Rectangle 3"/>
+          <p:cNvSpPr>
+            <a:spLocks noGrp="1" noChangeArrowheads="1"/>
+          </p:cNvSpPr>
+          <p:nvPr>
+            <p:ph type="body" idx="1"/>
+          </p:nvPr>
+        </p:nvSpPr>
+        <p:spPr>
+          <a:noFill/>
+          <a:ln/>
+        </p:spPr>
+        <p:txBody>
+          <a:bodyPr/>
+          <a:lstStyle/>
+          <a:p>
+            <a:pPr eaLnBrk="1" hangingPunct="1"/>
+            <a:endParaRPr lang="en-US" smtClean="0"/>
+          </a:p>
+        </p:txBody>
+      </p:sp>
+    </p:spTree>
+  </p:cSld>
+  <p:clrMapOvr>
+    <a:masterClrMapping/>
+  </p:clrMapOvr>
+</p:notes>
+</file>
+
+<file path=ppt/notesSlides/notesSlide17.xml><?xml version="1.0" encoding="utf-8"?>
+<p:notes xmlns:a="http://schemas.openxmlformats.org/drawingml/2006/main" xmlns:r="http://schemas.openxmlformats.org/officeDocument/2006/relationships" xmlns:mc="http://schemas.openxmlformats.org/markup-compatibility/2006" xmlns:mv="urn:schemas-microsoft-com:mac:vml" xmlns:p="http://schemas.openxmlformats.org/presentationml/2006/main" mc:Ignorable="mv" mc:PreserveAttributes="mv:*">
+  <p:cSld>
+    <p:spTree>
+      <p:nvGrpSpPr>
+        <p:cNvPr id="1" name=""/>
+        <p:cNvGrpSpPr/>
+        <p:nvPr/>
+      </p:nvGrpSpPr>
+      <p:grpSpPr>
+        <a:xfrm>
+          <a:off x="0" y="0"/>
+          <a:ext cx="0" cy="0"/>
+          <a:chOff x="0" y="0"/>
+          <a:chExt cx="0" cy="0"/>
+        </a:xfrm>
+      </p:grpSpPr>
+      <p:sp>
+        <p:nvSpPr>
           <p:cNvPr id="72706" name="Rectangle 7"/>
           <p:cNvSpPr>
             <a:spLocks noGrp="1" noChangeArrowheads="1"/>
@@ -1282,7 +1468,7 @@
             <a:fld id="{6653F924-F418-411E-8C35-24F3766CE997}" type="slidenum">
               <a:rPr lang="en-US" smtClean="0"/>
               <a:pPr/>
-              <a:t>17</a:t>
+              <a:t>19</a:t>
             </a:fld>
             <a:endParaRPr lang="en-US" smtClean="0"/>
           </a:p>
@@ -2365,7 +2551,7 @@
             <a:fld id="{265BEEE3-4D86-43EA-BCD4-72B5BC159959}" type="datetimeFigureOut">
               <a:rPr lang="en-US" smtClean="0"/>
               <a:pPr/>
-              <a:t>2/3/11</a:t>
+              <a:t>2/7/11</a:t>
             </a:fld>
             <a:endParaRPr lang="en-US"/>
           </a:p>
@@ -2566,7 +2752,7 @@
             <a:fld id="{265BEEE3-4D86-43EA-BCD4-72B5BC159959}" type="datetimeFigureOut">
               <a:rPr lang="en-US" smtClean="0"/>
               <a:pPr/>
-              <a:t>2/3/11</a:t>
+              <a:t>2/7/11</a:t>
             </a:fld>
             <a:endParaRPr lang="en-US"/>
           </a:p>
@@ -2946,7 +3132,7 @@
             <a:fld id="{265BEEE3-4D86-43EA-BCD4-72B5BC159959}" type="datetimeFigureOut">
               <a:rPr lang="en-US" smtClean="0"/>
               <a:pPr/>
-              <a:t>2/3/11</a:t>
+              <a:t>2/7/11</a:t>
             </a:fld>
             <a:endParaRPr lang="en-US"/>
           </a:p>
@@ -3255,7 +3441,7 @@
             <a:fld id="{265BEEE3-4D86-43EA-BCD4-72B5BC159959}" type="datetimeFigureOut">
               <a:rPr lang="en-US" smtClean="0"/>
               <a:pPr/>
-              <a:t>2/3/11</a:t>
+              <a:t>2/7/11</a:t>
             </a:fld>
             <a:endParaRPr lang="en-US"/>
           </a:p>
@@ -3698,7 +3884,7 @@
             <a:fld id="{265BEEE3-4D86-43EA-BCD4-72B5BC159959}" type="datetimeFigureOut">
               <a:rPr lang="en-US" smtClean="0"/>
               <a:pPr/>
-              <a:t>2/3/11</a:t>
+              <a:t>2/7/11</a:t>
             </a:fld>
             <a:endParaRPr lang="en-US"/>
           </a:p>
@@ -3837,7 +4023,7 @@
             <a:fld id="{265BEEE3-4D86-43EA-BCD4-72B5BC159959}" type="datetimeFigureOut">
               <a:rPr lang="en-US" smtClean="0"/>
               <a:pPr/>
-              <a:t>2/3/11</a:t>
+              <a:t>2/7/11</a:t>
             </a:fld>
             <a:endParaRPr lang="en-US"/>
           </a:p>
@@ -4174,7 +4360,7 @@
             <a:fld id="{265BEEE3-4D86-43EA-BCD4-72B5BC159959}" type="datetimeFigureOut">
               <a:rPr lang="en-US" smtClean="0"/>
               <a:pPr/>
-              <a:t>2/3/11</a:t>
+              <a:t>2/7/11</a:t>
             </a:fld>
             <a:endParaRPr lang="en-US"/>
           </a:p>
@@ -4448,7 +4634,7 @@
             <a:fld id="{265BEEE3-4D86-43EA-BCD4-72B5BC159959}" type="datetimeFigureOut">
               <a:rPr lang="en-US" smtClean="0"/>
               <a:pPr/>
-              <a:t>2/3/11</a:t>
+              <a:t>2/7/11</a:t>
             </a:fld>
             <a:endParaRPr lang="en-US"/>
           </a:p>
@@ -5450,7 +5636,7 @@
         <p:spPr bwMode="auto">
           <a:xfrm>
             <a:off x="152400" y="2734235"/>
-            <a:ext cx="8610600" cy="3133165"/>
+            <a:ext cx="8610600" cy="3410164"/>
           </a:xfrm>
           <a:prstGeom prst="rect">
             <a:avLst/>
@@ -5697,14 +5883,27 @@
               <a:rPr lang="en-US" sz="4000" dirty="0" smtClean="0">
                 <a:latin typeface="Comic Sans MS" pitchFamily="66" charset="0"/>
               </a:rPr>
-              <a:t> {counterexamples} = </a:t>
+              <a:t> {counterexamples} =</a:t>
+            </a:r>
+            <a:r>
+              <a:rPr lang="en-US" sz="4000" dirty="0" smtClean="0">
+                <a:latin typeface="Comic Sans MS" pitchFamily="66" charset="0"/>
+              </a:rPr>
+              <a:t> </a:t>
+            </a:r>
+            <a:r>
+              <a:rPr lang="en-US" sz="6000" b="1" dirty="0" smtClean="0">
+                <a:latin typeface="Comic Sans MS" pitchFamily="66" charset="0"/>
+                <a:sym typeface="Euclid Symbol"/>
+              </a:rPr>
+              <a:t>∅</a:t>
             </a:r>
             <a:r>
               <a:rPr lang="en-US" sz="4800" b="1" dirty="0" smtClean="0">
                 <a:latin typeface="Comic Sans MS" pitchFamily="66" charset="0"/>
                 <a:sym typeface="Euclid Symbol"/>
               </a:rPr>
-              <a:t>.</a:t>
+              <a:t>.</a:t>
             </a:r>
             <a:r>
               <a:rPr lang="en-US" sz="4000" b="1" dirty="0" smtClean="0">
@@ -5950,9 +6149,438 @@
           <a:chExt cx="0" cy="0"/>
         </a:xfrm>
       </p:grpSpPr>
+      <p:grpSp>
+        <p:nvGrpSpPr>
+          <p:cNvPr id="11" name="Group 10"/>
+          <p:cNvGrpSpPr/>
+          <p:nvPr/>
+        </p:nvGrpSpPr>
+        <p:grpSpPr>
+          <a:xfrm>
+            <a:off x="293594" y="1145684"/>
+            <a:ext cx="8158162" cy="2111377"/>
+            <a:chOff x="223838" y="1165223"/>
+            <a:chExt cx="8158162" cy="2111377"/>
+          </a:xfrm>
+        </p:grpSpPr>
+        <p:sp>
+          <p:nvSpPr>
+            <p:cNvPr id="22531" name="Text Box 4"/>
+            <p:cNvSpPr txBox="1">
+              <a:spLocks noChangeArrowheads="1"/>
+            </p:cNvSpPr>
+            <p:nvPr/>
+          </p:nvSpPr>
+          <p:spPr bwMode="auto">
+            <a:xfrm>
+              <a:off x="223838" y="1668959"/>
+              <a:ext cx="4613764" cy="769441"/>
+            </a:xfrm>
+            <a:prstGeom prst="rect">
+              <a:avLst/>
+            </a:prstGeom>
+            <a:noFill/>
+            <a:ln w="9525">
+              <a:noFill/>
+              <a:miter lim="800000"/>
+              <a:headEnd/>
+              <a:tailEnd type="none" w="lg" len="lg"/>
+            </a:ln>
+          </p:spPr>
+          <p:txBody>
+            <a:bodyPr wrap="none">
+              <a:spAutoFit/>
+            </a:bodyPr>
+            <a:lstStyle/>
+            <a:p>
+              <a:r>
+                <a:rPr lang="en-US" sz="4400" dirty="0">
+                  <a:latin typeface="Comic Sans MS" pitchFamily="66" charset="0"/>
+                </a:rPr>
+                <a:t>available stamps:</a:t>
+              </a:r>
+            </a:p>
+          </p:txBody>
+        </p:sp>
+        <p:grpSp>
+          <p:nvGrpSpPr>
+            <p:cNvPr id="2" name="Group 12"/>
+            <p:cNvGrpSpPr>
+              <a:grpSpLocks/>
+            </p:cNvGrpSpPr>
+            <p:nvPr/>
+          </p:nvGrpSpPr>
+          <p:grpSpPr bwMode="auto">
+            <a:xfrm>
+              <a:off x="5116513" y="1165223"/>
+              <a:ext cx="3265487" cy="2111377"/>
+              <a:chOff x="3031" y="672"/>
+              <a:chExt cx="2057" cy="1330"/>
+            </a:xfrm>
+          </p:grpSpPr>
+          <p:pic>
+            <p:nvPicPr>
+              <p:cNvPr id="22537" name="Picture 5" descr="s150fr"/>
+              <p:cNvPicPr>
+                <a:picLocks noChangeAspect="1" noChangeArrowheads="1"/>
+              </p:cNvPicPr>
+              <p:nvPr/>
+            </p:nvPicPr>
+            <p:blipFill>
+              <a:blip r:embed="rId3"/>
+              <a:srcRect/>
+              <a:stretch>
+                <a:fillRect/>
+              </a:stretch>
+            </p:blipFill>
+            <p:spPr bwMode="auto">
+              <a:xfrm>
+                <a:off x="3031" y="672"/>
+                <a:ext cx="750" cy="912"/>
+              </a:xfrm>
+              <a:prstGeom prst="rect">
+                <a:avLst/>
+              </a:prstGeom>
+              <a:noFill/>
+              <a:ln w="9525">
+                <a:noFill/>
+                <a:miter lim="800000"/>
+                <a:headEnd/>
+                <a:tailEnd/>
+              </a:ln>
+            </p:spPr>
+          </p:pic>
+          <p:pic>
+            <p:nvPicPr>
+              <p:cNvPr id="22538" name="Picture 6" descr="s1945"/>
+              <p:cNvPicPr>
+                <a:picLocks noChangeAspect="1" noChangeArrowheads="1"/>
+              </p:cNvPicPr>
+              <p:nvPr/>
+            </p:nvPicPr>
+            <p:blipFill>
+              <a:blip r:embed="rId4"/>
+              <a:srcRect/>
+              <a:stretch>
+                <a:fillRect/>
+              </a:stretch>
+            </p:blipFill>
+            <p:spPr bwMode="auto">
+              <a:xfrm>
+                <a:off x="3943" y="727"/>
+                <a:ext cx="1145" cy="713"/>
+              </a:xfrm>
+              <a:prstGeom prst="rect">
+                <a:avLst/>
+              </a:prstGeom>
+              <a:noFill/>
+              <a:ln w="9525">
+                <a:noFill/>
+                <a:miter lim="800000"/>
+                <a:headEnd/>
+                <a:tailEnd/>
+              </a:ln>
+            </p:spPr>
+          </p:pic>
+          <p:sp>
+            <p:nvSpPr>
+              <p:cNvPr id="22539" name="Rectangle 8"/>
+              <p:cNvSpPr>
+                <a:spLocks noChangeArrowheads="1"/>
+              </p:cNvSpPr>
+              <p:nvPr/>
+            </p:nvSpPr>
+            <p:spPr bwMode="auto">
+              <a:xfrm>
+                <a:off x="3248" y="1634"/>
+                <a:ext cx="435" cy="368"/>
+              </a:xfrm>
+              <a:prstGeom prst="rect">
+                <a:avLst/>
+              </a:prstGeom>
+              <a:noFill/>
+              <a:ln w="9525">
+                <a:noFill/>
+                <a:miter lim="800000"/>
+                <a:headEnd/>
+                <a:tailEnd type="none" w="lg" len="lg"/>
+              </a:ln>
+            </p:spPr>
+            <p:txBody>
+              <a:bodyPr wrap="none">
+                <a:spAutoFit/>
+              </a:bodyPr>
+              <a:lstStyle/>
+              <a:p>
+                <a:r>
+                  <a:rPr lang="en-US" sz="3200" dirty="0">
+                    <a:latin typeface="Comic Sans MS" pitchFamily="66" charset="0"/>
+                  </a:rPr>
+                  <a:t>5</a:t>
+                </a:r>
+                <a:r>
+                  <a:rPr lang="en-US" sz="3200" dirty="0">
+                    <a:latin typeface="Comic Sans MS" pitchFamily="66" charset="0"/>
+                    <a:cs typeface="Times New Roman" pitchFamily="18" charset="0"/>
+                  </a:rPr>
+                  <a:t>¢</a:t>
+                </a:r>
+              </a:p>
+            </p:txBody>
+          </p:sp>
+          <p:sp>
+            <p:nvSpPr>
+              <p:cNvPr id="22540" name="Rectangle 9"/>
+              <p:cNvSpPr>
+                <a:spLocks noChangeArrowheads="1"/>
+              </p:cNvSpPr>
+              <p:nvPr/>
+            </p:nvSpPr>
+            <p:spPr bwMode="auto">
+              <a:xfrm>
+                <a:off x="4352" y="1634"/>
+                <a:ext cx="435" cy="368"/>
+              </a:xfrm>
+              <a:prstGeom prst="rect">
+                <a:avLst/>
+              </a:prstGeom>
+              <a:noFill/>
+              <a:ln w="9525">
+                <a:noFill/>
+                <a:miter lim="800000"/>
+                <a:headEnd/>
+                <a:tailEnd type="none" w="lg" len="lg"/>
+              </a:ln>
+            </p:spPr>
+            <p:txBody>
+              <a:bodyPr wrap="none">
+                <a:spAutoFit/>
+              </a:bodyPr>
+              <a:lstStyle/>
+              <a:p>
+                <a:r>
+                  <a:rPr lang="en-US" sz="3200" dirty="0">
+                    <a:latin typeface="Comic Sans MS" pitchFamily="66" charset="0"/>
+                  </a:rPr>
+                  <a:t>3</a:t>
+                </a:r>
+                <a:r>
+                  <a:rPr lang="en-US" sz="3200" dirty="0">
+                    <a:latin typeface="Comic Sans MS" pitchFamily="66" charset="0"/>
+                    <a:cs typeface="Times New Roman" pitchFamily="18" charset="0"/>
+                  </a:rPr>
+                  <a:t>¢</a:t>
+                </a:r>
+              </a:p>
+            </p:txBody>
+          </p:sp>
+        </p:grpSp>
+      </p:grpSp>
       <p:sp>
         <p:nvSpPr>
-          <p:cNvPr id="34819" name="Rectangle 2"/>
+          <p:cNvPr id="22534" name="Text Box 10"/>
+          <p:cNvSpPr txBox="1">
+            <a:spLocks noChangeArrowheads="1"/>
+          </p:cNvSpPr>
+          <p:nvPr/>
+        </p:nvSpPr>
+        <p:spPr bwMode="auto">
+          <a:xfrm>
+            <a:off x="228600" y="3124200"/>
+            <a:ext cx="8534400" cy="923330"/>
+          </a:xfrm>
+          <a:prstGeom prst="rect">
+            <a:avLst/>
+          </a:prstGeom>
+          <a:noFill/>
+          <a:ln w="9525">
+            <a:noFill/>
+            <a:miter lim="800000"/>
+            <a:headEnd/>
+            <a:tailEnd type="none" w="lg" len="lg"/>
+          </a:ln>
+        </p:spPr>
+        <p:txBody>
+          <a:bodyPr wrap="square">
+            <a:spAutoFit/>
+          </a:bodyPr>
+          <a:lstStyle/>
+          <a:p>
+            <a:r>
+              <a:rPr lang="en-US" sz="4400" dirty="0" err="1" smtClean="0">
+                <a:solidFill>
+                  <a:srgbClr val="7030A0"/>
+                </a:solidFill>
+                <a:latin typeface="Comic Sans MS" pitchFamily="66" charset="0"/>
+              </a:rPr>
+              <a:t>Thm</a:t>
+            </a:r>
+            <a:r>
+              <a:rPr lang="en-US" sz="4400" dirty="0" smtClean="0">
+                <a:solidFill>
+                  <a:srgbClr val="7030A0"/>
+                </a:solidFill>
+                <a:latin typeface="Comic Sans MS" pitchFamily="66" charset="0"/>
+              </a:rPr>
+              <a:t>:</a:t>
+            </a:r>
+            <a:r>
+              <a:rPr lang="en-US" sz="5400" dirty="0" smtClean="0">
+                <a:latin typeface="Comic Sans MS" pitchFamily="66" charset="0"/>
+              </a:rPr>
+              <a:t> </a:t>
+            </a:r>
+            <a:r>
+              <a:rPr lang="en-US" sz="4800" dirty="0" smtClean="0">
+                <a:latin typeface="Comic Sans MS" pitchFamily="66" charset="0"/>
+              </a:rPr>
+              <a:t>Get any amount </a:t>
+            </a:r>
+            <a:r>
+              <a:rPr lang="en-US" sz="4800" dirty="0" err="1" smtClean="0">
+                <a:solidFill>
+                  <a:srgbClr val="0000FF"/>
+                </a:solidFill>
+                <a:latin typeface="Comic Sans MS" pitchFamily="66" charset="0"/>
+              </a:rPr>
+              <a:t>n</a:t>
+            </a:r>
+            <a:r>
+              <a:rPr lang="en-US" sz="4800" dirty="0" smtClean="0">
+                <a:latin typeface="Comic Sans MS" pitchFamily="66" charset="0"/>
+              </a:rPr>
+              <a:t> </a:t>
+            </a:r>
+            <a:r>
+              <a:rPr lang="en-US" sz="4800" b="1" dirty="0" smtClean="0">
+                <a:latin typeface="Euclid Symbol"/>
+                <a:sym typeface="Euclid Symbol"/>
+              </a:rPr>
+              <a:t>≥ </a:t>
+            </a:r>
+            <a:r>
+              <a:rPr lang="en-US" sz="5400" dirty="0" smtClean="0">
+                <a:latin typeface="Comic Sans MS" pitchFamily="66" charset="0"/>
+              </a:rPr>
+              <a:t>8</a:t>
+            </a:r>
+            <a:r>
+              <a:rPr lang="en-US" sz="5400" dirty="0">
+                <a:latin typeface="Comic Sans MS" pitchFamily="66" charset="0"/>
+                <a:cs typeface="Times New Roman" pitchFamily="18" charset="0"/>
+              </a:rPr>
+              <a:t>¢</a:t>
+            </a:r>
+            <a:endParaRPr lang="en-US" sz="5400" dirty="0">
+              <a:latin typeface="Comic Sans MS" pitchFamily="66" charset="0"/>
+            </a:endParaRPr>
+          </a:p>
+        </p:txBody>
+      </p:sp>
+      <p:sp>
+        <p:nvSpPr>
+          <p:cNvPr id="345099" name="Text Box 11"/>
+          <p:cNvSpPr txBox="1">
+            <a:spLocks noChangeArrowheads="1"/>
+          </p:cNvSpPr>
+          <p:nvPr/>
+        </p:nvSpPr>
+        <p:spPr bwMode="auto">
+          <a:xfrm>
+            <a:off x="304800" y="4154031"/>
+            <a:ext cx="8382000" cy="1508105"/>
+          </a:xfrm>
+          <a:prstGeom prst="rect">
+            <a:avLst/>
+          </a:prstGeom>
+          <a:noFill/>
+          <a:ln w="9525">
+            <a:noFill/>
+            <a:miter lim="800000"/>
+            <a:headEnd/>
+            <a:tailEnd type="none" w="lg" len="lg"/>
+          </a:ln>
+        </p:spPr>
+        <p:txBody>
+          <a:bodyPr wrap="square">
+            <a:spAutoFit/>
+          </a:bodyPr>
+          <a:lstStyle/>
+          <a:p>
+            <a:r>
+              <a:rPr lang="en-US" sz="4800" dirty="0">
+                <a:latin typeface="Comic Sans MS" pitchFamily="66" charset="0"/>
+              </a:rPr>
+              <a:t>Prove by </a:t>
+            </a:r>
+            <a:r>
+              <a:rPr lang="en-US" sz="4800" dirty="0" smtClean="0">
+                <a:latin typeface="Comic Sans MS" pitchFamily="66" charset="0"/>
+              </a:rPr>
+              <a:t>WOP.  Suppose </a:t>
+            </a:r>
+            <a:r>
+              <a:rPr lang="en-US" sz="4800" dirty="0" smtClean="0">
+                <a:solidFill>
+                  <a:srgbClr val="C00000"/>
+                </a:solidFill>
+                <a:latin typeface="Comic Sans MS" pitchFamily="66" charset="0"/>
+              </a:rPr>
+              <a:t>not</a:t>
+            </a:r>
+            <a:r>
+              <a:rPr lang="en-US" sz="4800" dirty="0" smtClean="0">
+                <a:latin typeface="Comic Sans MS" pitchFamily="66" charset="0"/>
+              </a:rPr>
+              <a:t>.</a:t>
+            </a:r>
+          </a:p>
+          <a:p>
+            <a:r>
+              <a:rPr lang="en-US" sz="4400" dirty="0" smtClean="0">
+                <a:latin typeface="Comic Sans MS" pitchFamily="66" charset="0"/>
+              </a:rPr>
+              <a:t>Let </a:t>
+            </a:r>
+            <a:r>
+              <a:rPr lang="en-US" sz="4400" dirty="0" smtClean="0">
+                <a:solidFill>
+                  <a:srgbClr val="FF0000"/>
+                </a:solidFill>
+                <a:latin typeface="Comic Sans MS" pitchFamily="66" charset="0"/>
+              </a:rPr>
+              <a:t>m</a:t>
+            </a:r>
+            <a:r>
+              <a:rPr lang="en-US" sz="4400" dirty="0" smtClean="0">
+                <a:latin typeface="Comic Sans MS" pitchFamily="66" charset="0"/>
+              </a:rPr>
+              <a:t> be </a:t>
+            </a:r>
+            <a:r>
+              <a:rPr lang="en-US" sz="4400" dirty="0" smtClean="0">
+                <a:solidFill>
+                  <a:srgbClr val="0000FF"/>
+                </a:solidFill>
+                <a:latin typeface="Comic Sans MS" pitchFamily="66" charset="0"/>
+              </a:rPr>
+              <a:t>least </a:t>
+            </a:r>
+            <a:r>
+              <a:rPr lang="en-US" sz="4400" dirty="0" smtClean="0">
+                <a:latin typeface="Comic Sans MS" pitchFamily="66" charset="0"/>
+              </a:rPr>
+              <a:t>counterexample.</a:t>
+            </a:r>
+            <a:endParaRPr lang="en-US" sz="4400" dirty="0" smtClean="0">
+              <a:latin typeface="Comic Sans MS" pitchFamily="66" charset="0"/>
+            </a:endParaRPr>
+          </a:p>
+        </p:txBody>
+      </p:sp>
+      <p:sp>
+        <p:nvSpPr>
+          <p:cNvPr id="22536" name="Rectangle 14"/>
           <p:cNvSpPr>
             <a:spLocks noGrp="1" noChangeArrowheads="1"/>
           </p:cNvSpPr>
@@ -5960,276 +6588,20 @@
             <p:ph type="title"/>
           </p:nvPr>
         </p:nvSpPr>
-        <p:spPr/>
+        <p:spPr>
+          <a:noFill/>
+        </p:spPr>
         <p:txBody>
           <a:bodyPr/>
           <a:lstStyle/>
           <a:p>
-            <a:pPr eaLnBrk="1" hangingPunct="1"/>
-            <a:r>
-              <a:rPr lang="en-US" sz="3600" dirty="0" smtClean="0"/>
-              <a:t>Well Ordering Principle Proofs</a:t>
+            <a:r>
+              <a:rPr lang="en-US" dirty="0" smtClean="0"/>
+              <a:t>Well Ordered Postage</a:t>
             </a:r>
           </a:p>
         </p:txBody>
       </p:sp>
-      <p:sp>
-        <p:nvSpPr>
-          <p:cNvPr id="355331" name="Rectangle 3"/>
-          <p:cNvSpPr>
-            <a:spLocks noGrp="1" noChangeArrowheads="1"/>
-          </p:cNvSpPr>
-          <p:nvPr>
-            <p:ph type="body" idx="1"/>
-          </p:nvPr>
-        </p:nvSpPr>
-        <p:spPr>
-          <a:xfrm>
-            <a:off x="228600" y="1447800"/>
-            <a:ext cx="8610600" cy="5029200"/>
-          </a:xfrm>
-        </p:spPr>
-        <p:txBody>
-          <a:bodyPr>
-            <a:noAutofit/>
-          </a:bodyPr>
-          <a:lstStyle/>
-          <a:p>
-            <a:pPr eaLnBrk="1" hangingPunct="1">
-              <a:buFontTx/>
-              <a:buNone/>
-            </a:pPr>
-            <a:r>
-              <a:rPr lang="en-US" sz="3800" dirty="0" smtClean="0"/>
-              <a:t>To prove </a:t>
-            </a:r>
-            <a:r>
-              <a:rPr lang="en-US" sz="3800" dirty="0" smtClean="0">
-                <a:solidFill>
-                  <a:srgbClr val="0033CC"/>
-                </a:solidFill>
-                <a:sym typeface="Euclid Symbol" pitchFamily="18" charset="2"/>
-              </a:rPr>
-              <a:t>                        </a:t>
-            </a:r>
-            <a:r>
-              <a:rPr lang="en-US" sz="3800" dirty="0" smtClean="0"/>
-              <a:t>using WOP:  </a:t>
-            </a:r>
-          </a:p>
-          <a:p>
-            <a:pPr eaLnBrk="1" hangingPunct="1">
-              <a:buFont typeface="Arial" pitchFamily="34" charset="0"/>
-              <a:buChar char="•"/>
-            </a:pPr>
-            <a:r>
-              <a:rPr lang="en-US" sz="3800" dirty="0" smtClean="0"/>
-              <a:t>define set of counterexamples </a:t>
-            </a:r>
-          </a:p>
-          <a:p>
-            <a:pPr eaLnBrk="1" hangingPunct="1"/>
-            <a:endParaRPr lang="en-US" sz="3800" dirty="0" smtClean="0"/>
-          </a:p>
-          <a:p>
-            <a:pPr eaLnBrk="1" hangingPunct="1">
-              <a:buFont typeface="Arial"/>
-              <a:buChar char="•"/>
-            </a:pPr>
-            <a:r>
-              <a:rPr lang="en-US" sz="3800" dirty="0" smtClean="0"/>
-              <a:t>assume </a:t>
-            </a:r>
-            <a:r>
-              <a:rPr lang="en-US" sz="3800" dirty="0" smtClean="0">
-                <a:solidFill>
-                  <a:srgbClr val="0033CC"/>
-                </a:solidFill>
-              </a:rPr>
-              <a:t>C</a:t>
-            </a:r>
-            <a:r>
-              <a:rPr lang="en-US" sz="3800" dirty="0" smtClean="0"/>
-              <a:t> is not empty.  By WOP, have minimum element</a:t>
-            </a:r>
-          </a:p>
-          <a:p>
-            <a:pPr eaLnBrk="1" hangingPunct="1">
-              <a:buFont typeface="Arial" pitchFamily="34" charset="0"/>
-              <a:buChar char="•"/>
-            </a:pPr>
-            <a:r>
-              <a:rPr lang="en-US" sz="3800" dirty="0" smtClean="0"/>
-              <a:t>Reach a </a:t>
-            </a:r>
-            <a:r>
-              <a:rPr lang="en-US" sz="3800" dirty="0" smtClean="0">
-                <a:solidFill>
-                  <a:srgbClr val="C00000"/>
-                </a:solidFill>
-              </a:rPr>
-              <a:t>contradiction</a:t>
-            </a:r>
-            <a:r>
-              <a:rPr lang="en-US" sz="3800" dirty="0" smtClean="0"/>
-              <a:t> </a:t>
-            </a:r>
-            <a:r>
-              <a:rPr lang="en-US" sz="3800" i="1" dirty="0" smtClean="0"/>
-              <a:t>somehow</a:t>
-            </a:r>
-            <a:r>
-              <a:rPr lang="en-US" sz="3800" dirty="0" smtClean="0"/>
-              <a:t> …</a:t>
-            </a:r>
-          </a:p>
-          <a:p>
-            <a:r>
-              <a:rPr lang="en-US" sz="3800" dirty="0" smtClean="0"/>
-              <a:t>  usually by finding          with </a:t>
-            </a:r>
-            <a:r>
-              <a:rPr lang="en-US" sz="3800" dirty="0" err="1" smtClean="0">
-                <a:solidFill>
-                  <a:srgbClr val="FF33CC"/>
-                </a:solidFill>
-              </a:rPr>
-              <a:t>c</a:t>
-            </a:r>
-            <a:r>
-              <a:rPr lang="en-US" sz="3800" dirty="0" smtClean="0">
-                <a:solidFill>
-                  <a:srgbClr val="FF33CC"/>
-                </a:solidFill>
-              </a:rPr>
-              <a:t> </a:t>
-            </a:r>
-            <a:r>
-              <a:rPr lang="en-US" sz="3800" b="1" dirty="0" smtClean="0">
-                <a:solidFill>
-                  <a:srgbClr val="EE0000"/>
-                </a:solidFill>
-                <a:latin typeface="Euclid Symbol" charset="2"/>
-                <a:cs typeface="Euclid Symbol" charset="2"/>
-              </a:rPr>
-              <a:t>&lt;</a:t>
-            </a:r>
-            <a:r>
-              <a:rPr lang="en-US" sz="3800" dirty="0" smtClean="0"/>
-              <a:t> </a:t>
-            </a:r>
-            <a:r>
-              <a:rPr lang="en-US" sz="3800" dirty="0" err="1" smtClean="0">
-                <a:solidFill>
-                  <a:srgbClr val="028822"/>
-                </a:solidFill>
-              </a:rPr>
-              <a:t>m</a:t>
-            </a:r>
-            <a:endParaRPr lang="en-US" sz="3800" dirty="0" smtClean="0"/>
-          </a:p>
-        </p:txBody>
-      </p:sp>
-      <p:graphicFrame>
-        <p:nvGraphicFramePr>
-          <p:cNvPr id="4" name="Object 3"/>
-          <p:cNvGraphicFramePr>
-            <a:graphicFrameLocks noChangeAspect="1"/>
-          </p:cNvGraphicFramePr>
-          <p:nvPr/>
-        </p:nvGraphicFramePr>
-        <p:xfrm>
-          <a:off x="2438400" y="1354951"/>
-          <a:ext cx="3341594" cy="860714"/>
-        </p:xfrm>
-        <a:graphic>
-          <a:graphicData uri="http://schemas.openxmlformats.org/presentationml/2006/ole">
-            <p:oleObj spid="_x0000_s36866" name="Equation" r:id="rId4" imgW="838200" imgH="215900" progId="Equation.DSMT4">
-              <p:embed/>
-            </p:oleObj>
-          </a:graphicData>
-        </a:graphic>
-      </p:graphicFrame>
-      <p:graphicFrame>
-        <p:nvGraphicFramePr>
-          <p:cNvPr id="6" name="Object 5"/>
-          <p:cNvGraphicFramePr>
-            <a:graphicFrameLocks noChangeAspect="1"/>
-          </p:cNvGraphicFramePr>
-          <p:nvPr/>
-        </p:nvGraphicFramePr>
-        <p:xfrm>
-          <a:off x="4514850" y="3346450"/>
-          <a:ext cx="114300" cy="165100"/>
-        </p:xfrm>
-        <a:graphic>
-          <a:graphicData uri="http://schemas.openxmlformats.org/presentationml/2006/ole">
-            <p:oleObj spid="_x0000_s36867" name="Equation" r:id="rId5" imgW="114300" imgH="165100" progId="Equation.DSMT4">
-              <p:embed/>
-            </p:oleObj>
-          </a:graphicData>
-        </a:graphic>
-      </p:graphicFrame>
-      <p:graphicFrame>
-        <p:nvGraphicFramePr>
-          <p:cNvPr id="36868" name="Object 4"/>
-          <p:cNvGraphicFramePr>
-            <a:graphicFrameLocks noChangeAspect="1"/>
-          </p:cNvGraphicFramePr>
-          <p:nvPr/>
-        </p:nvGraphicFramePr>
-        <p:xfrm>
-          <a:off x="1651001" y="2614935"/>
-          <a:ext cx="5435599" cy="1118865"/>
-        </p:xfrm>
-        <a:graphic>
-          <a:graphicData uri="http://schemas.openxmlformats.org/presentationml/2006/ole">
-            <p:oleObj spid="_x0000_s36868" name="Equation" r:id="rId6" imgW="1663700" imgH="342900" progId="Equation.DSMT4">
-              <p:embed/>
-            </p:oleObj>
-          </a:graphicData>
-        </a:graphic>
-      </p:graphicFrame>
-      <p:graphicFrame>
-        <p:nvGraphicFramePr>
-          <p:cNvPr id="8" name="Object 7"/>
-          <p:cNvGraphicFramePr>
-            <a:graphicFrameLocks noChangeAspect="1"/>
-          </p:cNvGraphicFramePr>
-          <p:nvPr/>
-        </p:nvGraphicFramePr>
-        <p:xfrm>
-          <a:off x="5791200" y="4114800"/>
-          <a:ext cx="1645920" cy="609600"/>
-        </p:xfrm>
-        <a:graphic>
-          <a:graphicData uri="http://schemas.openxmlformats.org/presentationml/2006/ole">
-            <p:oleObj spid="_x0000_s36869" name="Equation" r:id="rId7" imgW="419100" imgH="190500" progId="Equation.DSMT4">
-              <p:embed/>
-            </p:oleObj>
-          </a:graphicData>
-        </a:graphic>
-      </p:graphicFrame>
-      <p:graphicFrame>
-        <p:nvGraphicFramePr>
-          <p:cNvPr id="36870" name="Object 6"/>
-          <p:cNvGraphicFramePr>
-            <a:graphicFrameLocks noChangeAspect="1"/>
-          </p:cNvGraphicFramePr>
-          <p:nvPr/>
-        </p:nvGraphicFramePr>
-        <p:xfrm>
-          <a:off x="4495800" y="5562600"/>
-          <a:ext cx="1445985" cy="609600"/>
-        </p:xfrm>
-        <a:graphic>
-          <a:graphicData uri="http://schemas.openxmlformats.org/presentationml/2006/ole">
-            <p:oleObj spid="_x0000_s36870" name="Equation" r:id="rId8" imgW="368300" imgH="190500" progId="Equation.DSMT4">
-              <p:embed/>
-            </p:oleObj>
-          </a:graphicData>
-        </a:graphic>
-      </p:graphicFrame>
     </p:spTree>
   </p:cSld>
   <p:clrMapOvr>
@@ -6259,7 +6631,7 @@
                             </p:stCondLst>
                             <p:childTnLst>
                               <p:par>
-                                <p:cTn id="5" presetID="1" presetClass="entr" presetSubtype="0" fill="hold" nodeType="clickEffect">
+                                <p:cTn id="5" presetID="22" presetClass="entr" presetSubtype="8" fill="hold" nodeType="clickEffect">
                                   <p:stCondLst>
                                     <p:cond delay="0"/>
                                   </p:stCondLst>
@@ -6272,7 +6644,174 @@
                                           </p:stCondLst>
                                         </p:cTn>
                                         <p:tgtEl>
-                                          <p:spTgt spid="355331">
+                                          <p:spTgt spid="11"/>
+                                        </p:tgtEl>
+                                        <p:attrNameLst>
+                                          <p:attrName>style.visibility</p:attrName>
+                                        </p:attrNameLst>
+                                      </p:cBhvr>
+                                      <p:to>
+                                        <p:strVal val="visible"/>
+                                      </p:to>
+                                    </p:set>
+                                    <p:animEffect transition="in" filter="wipe(left)">
+                                      <p:cBhvr>
+                                        <p:cTn id="7" dur="1000"/>
+                                        <p:tgtEl>
+                                          <p:spTgt spid="11"/>
+                                        </p:tgtEl>
+                                      </p:cBhvr>
+                                    </p:animEffect>
+                                  </p:childTnLst>
+                                </p:cTn>
+                              </p:par>
+                            </p:childTnLst>
+                          </p:cTn>
+                        </p:par>
+                      </p:childTnLst>
+                    </p:cTn>
+                  </p:par>
+                  <p:par>
+                    <p:cTn id="8" fill="hold">
+                      <p:stCondLst>
+                        <p:cond delay="indefinite"/>
+                      </p:stCondLst>
+                      <p:childTnLst>
+                        <p:par>
+                          <p:cTn id="9" fill="hold">
+                            <p:stCondLst>
+                              <p:cond delay="0"/>
+                            </p:stCondLst>
+                            <p:childTnLst>
+                              <p:par>
+                                <p:cTn id="10" presetID="10" presetClass="entr" presetSubtype="0" fill="hold" grpId="0" nodeType="clickEffect">
+                                  <p:stCondLst>
+                                    <p:cond delay="0"/>
+                                  </p:stCondLst>
+                                  <p:childTnLst>
+                                    <p:set>
+                                      <p:cBhvr>
+                                        <p:cTn id="11" dur="1" fill="hold">
+                                          <p:stCondLst>
+                                            <p:cond delay="0"/>
+                                          </p:stCondLst>
+                                        </p:cTn>
+                                        <p:tgtEl>
+                                          <p:spTgt spid="22534"/>
+                                        </p:tgtEl>
+                                        <p:attrNameLst>
+                                          <p:attrName>style.visibility</p:attrName>
+                                        </p:attrNameLst>
+                                      </p:cBhvr>
+                                      <p:to>
+                                        <p:strVal val="visible"/>
+                                      </p:to>
+                                    </p:set>
+                                    <p:animEffect transition="in" filter="fade">
+                                      <p:cBhvr>
+                                        <p:cTn id="12" dur="500"/>
+                                        <p:tgtEl>
+                                          <p:spTgt spid="22534"/>
+                                        </p:tgtEl>
+                                      </p:cBhvr>
+                                    </p:animEffect>
+                                  </p:childTnLst>
+                                </p:cTn>
+                              </p:par>
+                            </p:childTnLst>
+                          </p:cTn>
+                        </p:par>
+                      </p:childTnLst>
+                    </p:cTn>
+                  </p:par>
+                  <p:par>
+                    <p:cTn id="13" fill="hold">
+                      <p:stCondLst>
+                        <p:cond delay="indefinite"/>
+                      </p:stCondLst>
+                      <p:childTnLst>
+                        <p:par>
+                          <p:cTn id="14" fill="hold">
+                            <p:stCondLst>
+                              <p:cond delay="0"/>
+                            </p:stCondLst>
+                            <p:childTnLst>
+                              <p:par>
+                                <p:cTn id="15" presetID="9" presetClass="entr" presetSubtype="0" fill="hold" nodeType="clickEffect">
+                                  <p:stCondLst>
+                                    <p:cond delay="0"/>
+                                  </p:stCondLst>
+                                  <p:childTnLst>
+                                    <p:set>
+                                      <p:cBhvr>
+                                        <p:cTn id="16" dur="1" fill="hold">
+                                          <p:stCondLst>
+                                            <p:cond delay="0"/>
+                                          </p:stCondLst>
+                                        </p:cTn>
+                                        <p:tgtEl>
+                                          <p:spTgt spid="345099">
+                                            <p:txEl>
+                                              <p:pRg st="0" end="0"/>
+                                            </p:txEl>
+                                          </p:spTgt>
+                                        </p:tgtEl>
+                                        <p:attrNameLst>
+                                          <p:attrName>style.visibility</p:attrName>
+                                        </p:attrNameLst>
+                                      </p:cBhvr>
+                                      <p:to>
+                                        <p:strVal val="visible"/>
+                                      </p:to>
+                                    </p:set>
+                                    <p:animEffect transition="in" filter="dissolve">
+                                      <p:cBhvr>
+                                        <p:cTn id="17" dur="500"/>
+                                        <p:tgtEl>
+                                          <p:spTgt spid="345099">
+                                            <p:txEl>
+                                              <p:pRg st="0" end="0"/>
+                                            </p:txEl>
+                                          </p:spTgt>
+                                        </p:tgtEl>
+                                      </p:cBhvr>
+                                    </p:animEffect>
+                                  </p:childTnLst>
+                                </p:cTn>
+                              </p:par>
+                            </p:childTnLst>
+                          </p:cTn>
+                        </p:par>
+                      </p:childTnLst>
+                    </p:cTn>
+                  </p:par>
+                  <p:par>
+                    <p:cTn id="18" fill="hold">
+                      <p:stCondLst>
+                        <p:cond delay="indefinite"/>
+                      </p:stCondLst>
+                      <p:childTnLst>
+                        <p:par>
+                          <p:cTn id="19" fill="hold">
+                            <p:stCondLst>
+                              <p:cond delay="0"/>
+                            </p:stCondLst>
+                            <p:childTnLst>
+                              <p:par>
+                                <p:cTn id="20" presetID="9" presetClass="entr" presetSubtype="0" fill="hold" nodeType="clickEffect">
+                                  <p:stCondLst>
+                                    <p:cond delay="0"/>
+                                  </p:stCondLst>
+                                  <p:childTnLst>
+                                    <p:set>
+                                      <p:cBhvr>
+                                        <p:cTn id="21" dur="1" fill="hold">
+                                          <p:stCondLst>
+                                            <p:cond delay="0"/>
+                                          </p:stCondLst>
+                                        </p:cTn>
+                                        <p:tgtEl>
+                                          <p:spTgt spid="345099">
                                             <p:txEl>
                                               <p:pRg st="1" end="1"/>
                                             </p:txEl>
@@ -6286,33 +6825,610 @@
                                         <p:strVal val="visible"/>
                                       </p:to>
                                     </p:set>
+                                    <p:animEffect transition="in" filter="dissolve">
+                                      <p:cBhvr>
+                                        <p:cTn id="22" dur="500"/>
+                                        <p:tgtEl>
+                                          <p:spTgt spid="345099">
+                                            <p:txEl>
+                                              <p:pRg st="1" end="1"/>
+                                            </p:txEl>
+                                          </p:spTgt>
+                                        </p:tgtEl>
+                                      </p:cBhvr>
+                                    </p:animEffect>
                                   </p:childTnLst>
                                 </p:cTn>
                               </p:par>
                             </p:childTnLst>
                           </p:cTn>
                         </p:par>
+                      </p:childTnLst>
+                    </p:cTn>
+                  </p:par>
+                </p:childTnLst>
+              </p:cTn>
+              <p:prevCondLst>
+                <p:cond evt="onPrev" delay="0">
+                  <p:tgtEl>
+                    <p:sldTgt/>
+                  </p:tgtEl>
+                </p:cond>
+              </p:prevCondLst>
+              <p:nextCondLst>
+                <p:cond evt="onNext" delay="0">
+                  <p:tgtEl>
+                    <p:sldTgt/>
+                  </p:tgtEl>
+                </p:cond>
+              </p:nextCondLst>
+            </p:seq>
+          </p:childTnLst>
+        </p:cTn>
+      </p:par>
+    </p:tnLst>
+    <p:bldLst>
+      <p:bldP spid="22534" grpId="0"/>
+    </p:bldLst>
+  </p:timing>
+</p:sld>
+</file>
+
+<file path=ppt/slides/slide12.xml><?xml version="1.0" encoding="utf-8"?>
+<p:sld xmlns:a="http://schemas.openxmlformats.org/drawingml/2006/main" xmlns:r="http://schemas.openxmlformats.org/officeDocument/2006/relationships" xmlns:mc="http://schemas.openxmlformats.org/markup-compatibility/2006" xmlns:mv="urn:schemas-microsoft-com:mac:vml" xmlns:p="http://schemas.openxmlformats.org/presentationml/2006/main" mc:Ignorable="mv" mc:PreserveAttributes="mv:*">
+  <p:cSld>
+    <p:spTree>
+      <p:nvGrpSpPr>
+        <p:cNvPr id="1" name=""/>
+        <p:cNvGrpSpPr/>
+        <p:nvPr/>
+      </p:nvGrpSpPr>
+      <p:grpSpPr>
+        <a:xfrm>
+          <a:off x="0" y="0"/>
+          <a:ext cx="0" cy="0"/>
+          <a:chOff x="0" y="0"/>
+          <a:chExt cx="0" cy="0"/>
+        </a:xfrm>
+      </p:grpSpPr>
+      <p:sp>
+        <p:nvSpPr>
+          <p:cNvPr id="22534" name="Text Box 10"/>
+          <p:cNvSpPr txBox="1">
+            <a:spLocks noChangeArrowheads="1"/>
+          </p:cNvSpPr>
+          <p:nvPr/>
+        </p:nvSpPr>
+        <p:spPr bwMode="auto">
+          <a:xfrm>
+            <a:off x="228600" y="3124200"/>
+            <a:ext cx="8534400" cy="2123658"/>
+          </a:xfrm>
+          <a:prstGeom prst="rect">
+            <a:avLst/>
+          </a:prstGeom>
+          <a:noFill/>
+          <a:ln w="9525">
+            <a:noFill/>
+            <a:miter lim="800000"/>
+            <a:headEnd/>
+            <a:tailEnd type="none" w="lg" len="lg"/>
+          </a:ln>
+        </p:spPr>
+        <p:txBody>
+          <a:bodyPr wrap="square">
+            <a:spAutoFit/>
+          </a:bodyPr>
+          <a:lstStyle/>
+          <a:p>
+            <a:r>
+              <a:rPr lang="en-US" sz="4400" dirty="0" smtClean="0">
+                <a:latin typeface="Comic Sans MS" pitchFamily="66" charset="0"/>
+              </a:rPr>
+              <a:t>So, </a:t>
+            </a:r>
+            <a:r>
+              <a:rPr lang="en-US" sz="4400" dirty="0" smtClean="0">
+                <a:latin typeface="Comic Sans MS" pitchFamily="66" charset="0"/>
+              </a:rPr>
+              <a:t>can</a:t>
+            </a:r>
+            <a:r>
+              <a:rPr lang="en-US" sz="4400" dirty="0" smtClean="0">
+                <a:solidFill>
+                  <a:srgbClr val="FF0000"/>
+                </a:solidFill>
+                <a:latin typeface="Comic Sans MS" pitchFamily="66" charset="0"/>
+              </a:rPr>
+              <a:t>not</a:t>
+            </a:r>
+            <a:r>
+              <a:rPr lang="en-US" sz="4400" dirty="0" smtClean="0">
+                <a:latin typeface="Comic Sans MS" pitchFamily="66" charset="0"/>
+              </a:rPr>
+              <a:t> make</a:t>
+            </a:r>
+            <a:r>
+              <a:rPr lang="en-US" sz="4400" dirty="0" smtClean="0">
+                <a:latin typeface="Comic Sans MS" pitchFamily="66" charset="0"/>
+              </a:rPr>
+              <a:t> </a:t>
+            </a:r>
+            <a:r>
+              <a:rPr lang="en-US" sz="4400" dirty="0" err="1" smtClean="0">
+                <a:solidFill>
+                  <a:srgbClr val="F60000"/>
+                </a:solidFill>
+                <a:latin typeface="Comic Sans MS" pitchFamily="66" charset="0"/>
+              </a:rPr>
+              <a:t>m</a:t>
+            </a:r>
+            <a:r>
+              <a:rPr lang="en-US" sz="4400" dirty="0" smtClean="0">
+                <a:solidFill>
+                  <a:srgbClr val="F60000"/>
+                </a:solidFill>
+                <a:latin typeface="Comic Sans MS" pitchFamily="66" charset="0"/>
+                <a:cs typeface="Times New Roman" pitchFamily="18" charset="0"/>
+              </a:rPr>
+              <a:t>¢</a:t>
+            </a:r>
+            <a:r>
+              <a:rPr lang="en-US" sz="4400" dirty="0" smtClean="0">
+                <a:solidFill>
+                  <a:srgbClr val="000000"/>
+                </a:solidFill>
+                <a:latin typeface="Comic Sans MS" pitchFamily="66" charset="0"/>
+                <a:cs typeface="Times New Roman" pitchFamily="18" charset="0"/>
+              </a:rPr>
+              <a:t>.</a:t>
+            </a:r>
+          </a:p>
+          <a:p>
+            <a:r>
+              <a:rPr lang="en-US" sz="4400" dirty="0" smtClean="0">
+                <a:solidFill>
+                  <a:srgbClr val="F60000"/>
+                </a:solidFill>
+                <a:latin typeface="Comic Sans MS" pitchFamily="66" charset="0"/>
+                <a:cs typeface="Times New Roman" pitchFamily="18" charset="0"/>
+              </a:rPr>
+              <a:t>      </a:t>
+            </a:r>
+            <a:r>
+              <a:rPr lang="en-US" sz="4400" dirty="0" smtClean="0">
+                <a:solidFill>
+                  <a:srgbClr val="028822"/>
+                </a:solidFill>
+                <a:latin typeface="Comic Sans MS" pitchFamily="66" charset="0"/>
+                <a:cs typeface="Times New Roman" pitchFamily="18" charset="0"/>
+              </a:rPr>
+              <a:t>can</a:t>
+            </a:r>
+            <a:r>
+              <a:rPr lang="en-US" sz="4400" dirty="0" smtClean="0">
+                <a:latin typeface="Comic Sans MS" pitchFamily="66" charset="0"/>
+                <a:cs typeface="Times New Roman" pitchFamily="18" charset="0"/>
+              </a:rPr>
+              <a:t> make</a:t>
+            </a:r>
+            <a:r>
+              <a:rPr lang="en-US" sz="4400" dirty="0" smtClean="0">
+                <a:solidFill>
+                  <a:srgbClr val="F60000"/>
+                </a:solidFill>
+                <a:latin typeface="Comic Sans MS" pitchFamily="66" charset="0"/>
+                <a:cs typeface="Times New Roman" pitchFamily="18" charset="0"/>
+              </a:rPr>
+              <a:t> </a:t>
+            </a:r>
+            <a:r>
+              <a:rPr lang="en-US" sz="4400" dirty="0" smtClean="0">
+                <a:solidFill>
+                  <a:srgbClr val="028822"/>
+                </a:solidFill>
+                <a:latin typeface="Comic Sans MS" pitchFamily="66" charset="0"/>
+                <a:cs typeface="Times New Roman" pitchFamily="18" charset="0"/>
+              </a:rPr>
+              <a:t>any amount </a:t>
+            </a:r>
+            <a:r>
+              <a:rPr lang="en-US" sz="4400" dirty="0" smtClean="0">
+                <a:solidFill>
+                  <a:srgbClr val="028822"/>
+                </a:solidFill>
+                <a:latin typeface="Symbol" charset="2"/>
+                <a:cs typeface="Symbol" charset="2"/>
+              </a:rPr>
+              <a:t>&lt;</a:t>
+            </a:r>
+            <a:r>
+              <a:rPr lang="en-US" sz="4400" dirty="0" smtClean="0">
+                <a:solidFill>
+                  <a:srgbClr val="F60000"/>
+                </a:solidFill>
+                <a:latin typeface="Symbol" charset="2"/>
+                <a:cs typeface="Symbol" charset="2"/>
+              </a:rPr>
+              <a:t> </a:t>
+            </a:r>
+            <a:r>
+              <a:rPr lang="en-US" sz="4400" dirty="0" err="1" smtClean="0">
+                <a:solidFill>
+                  <a:srgbClr val="F60000"/>
+                </a:solidFill>
+                <a:latin typeface="Comic Sans MS" pitchFamily="66" charset="0"/>
+              </a:rPr>
+              <a:t>m</a:t>
+            </a:r>
+            <a:r>
+              <a:rPr lang="en-US" sz="4400" dirty="0" smtClean="0">
+                <a:solidFill>
+                  <a:srgbClr val="000000"/>
+                </a:solidFill>
+                <a:latin typeface="Comic Sans MS" pitchFamily="66" charset="0"/>
+              </a:rPr>
+              <a:t>,</a:t>
+            </a:r>
+            <a:endParaRPr lang="en-US" sz="4400" dirty="0" smtClean="0">
+              <a:solidFill>
+                <a:srgbClr val="000000"/>
+              </a:solidFill>
+              <a:latin typeface="Comic Sans MS" pitchFamily="66" charset="0"/>
+              <a:cs typeface="Times New Roman" pitchFamily="18" charset="0"/>
+            </a:endParaRPr>
+          </a:p>
+          <a:p>
+            <a:r>
+              <a:rPr lang="en-US" sz="4400" dirty="0" smtClean="0">
+                <a:solidFill>
+                  <a:srgbClr val="F60000"/>
+                </a:solidFill>
+                <a:latin typeface="Comic Sans MS" pitchFamily="66" charset="0"/>
+                <a:cs typeface="Times New Roman" pitchFamily="18" charset="0"/>
+              </a:rPr>
+              <a:t>                                 </a:t>
+            </a:r>
+            <a:r>
+              <a:rPr lang="en-US" sz="4400" dirty="0" smtClean="0">
+                <a:latin typeface="Comic Sans MS" pitchFamily="66" charset="0"/>
+                <a:cs typeface="Times New Roman" pitchFamily="18" charset="0"/>
+              </a:rPr>
+              <a:t>and </a:t>
+            </a:r>
+            <a:r>
+              <a:rPr lang="en-US" sz="4400" dirty="0" smtClean="0">
+                <a:latin typeface="Symbol" charset="2"/>
+                <a:cs typeface="Symbol" charset="2"/>
+              </a:rPr>
+              <a:t> </a:t>
+            </a:r>
+            <a:r>
+              <a:rPr lang="en-US" sz="4400" dirty="0" smtClean="0">
+                <a:latin typeface="Symbol" charset="2"/>
+                <a:cs typeface="Symbol" charset="2"/>
+              </a:rPr>
+              <a:t>≥ </a:t>
+            </a:r>
+            <a:r>
+              <a:rPr lang="en-US" sz="4400" dirty="0" smtClean="0">
+                <a:latin typeface="Comic Sans MS" pitchFamily="66" charset="0"/>
+              </a:rPr>
+              <a:t>8</a:t>
+            </a:r>
+            <a:r>
+              <a:rPr lang="en-US" sz="4400" dirty="0" smtClean="0">
+                <a:latin typeface="Comic Sans MS" pitchFamily="66" charset="0"/>
+              </a:rPr>
+              <a:t> </a:t>
+            </a:r>
+            <a:endParaRPr lang="en-US" sz="5400" dirty="0">
+              <a:latin typeface="Comic Sans MS" pitchFamily="66" charset="0"/>
+            </a:endParaRPr>
+          </a:p>
+        </p:txBody>
+      </p:sp>
+      <p:sp>
+        <p:nvSpPr>
+          <p:cNvPr id="22536" name="Rectangle 14"/>
+          <p:cNvSpPr>
+            <a:spLocks noGrp="1" noChangeArrowheads="1"/>
+          </p:cNvSpPr>
+          <p:nvPr>
+            <p:ph type="title"/>
+          </p:nvPr>
+        </p:nvSpPr>
+        <p:spPr>
+          <a:noFill/>
+        </p:spPr>
+        <p:txBody>
+          <a:bodyPr/>
+          <a:lstStyle/>
+          <a:p>
+            <a:r>
+              <a:rPr lang="en-US" dirty="0" smtClean="0"/>
+              <a:t>Well Ordered Postage</a:t>
+            </a:r>
+          </a:p>
+        </p:txBody>
+      </p:sp>
+      <p:grpSp>
+        <p:nvGrpSpPr>
+          <p:cNvPr id="12" name="Group 11"/>
+          <p:cNvGrpSpPr/>
+          <p:nvPr/>
+        </p:nvGrpSpPr>
+        <p:grpSpPr>
+          <a:xfrm>
+            <a:off x="282453" y="1145684"/>
+            <a:ext cx="8158162" cy="2111377"/>
+            <a:chOff x="223838" y="1165223"/>
+            <a:chExt cx="8158162" cy="2111377"/>
+          </a:xfrm>
+        </p:grpSpPr>
+        <p:sp>
+          <p:nvSpPr>
+            <p:cNvPr id="13" name="Text Box 4"/>
+            <p:cNvSpPr txBox="1">
+              <a:spLocks noChangeArrowheads="1"/>
+            </p:cNvSpPr>
+            <p:nvPr/>
+          </p:nvSpPr>
+          <p:spPr bwMode="auto">
+            <a:xfrm>
+              <a:off x="223838" y="1668959"/>
+              <a:ext cx="4613764" cy="769441"/>
+            </a:xfrm>
+            <a:prstGeom prst="rect">
+              <a:avLst/>
+            </a:prstGeom>
+            <a:noFill/>
+            <a:ln w="9525">
+              <a:noFill/>
+              <a:miter lim="800000"/>
+              <a:headEnd/>
+              <a:tailEnd type="none" w="lg" len="lg"/>
+            </a:ln>
+          </p:spPr>
+          <p:txBody>
+            <a:bodyPr wrap="none">
+              <a:spAutoFit/>
+            </a:bodyPr>
+            <a:lstStyle/>
+            <a:p>
+              <a:r>
+                <a:rPr lang="en-US" sz="4400" dirty="0">
+                  <a:latin typeface="Comic Sans MS" pitchFamily="66" charset="0"/>
+                </a:rPr>
+                <a:t>available stamps:</a:t>
+              </a:r>
+            </a:p>
+          </p:txBody>
+        </p:sp>
+        <p:grpSp>
+          <p:nvGrpSpPr>
+            <p:cNvPr id="14" name="Group 12"/>
+            <p:cNvGrpSpPr>
+              <a:grpSpLocks/>
+            </p:cNvGrpSpPr>
+            <p:nvPr/>
+          </p:nvGrpSpPr>
+          <p:grpSpPr bwMode="auto">
+            <a:xfrm>
+              <a:off x="5116515" y="1165223"/>
+              <a:ext cx="3265488" cy="2111376"/>
+              <a:chOff x="3031" y="672"/>
+              <a:chExt cx="2057" cy="1330"/>
+            </a:xfrm>
+          </p:grpSpPr>
+          <p:pic>
+            <p:nvPicPr>
+              <p:cNvPr id="15" name="Picture 5" descr="s150fr"/>
+              <p:cNvPicPr>
+                <a:picLocks noChangeAspect="1" noChangeArrowheads="1"/>
+              </p:cNvPicPr>
+              <p:nvPr/>
+            </p:nvPicPr>
+            <p:blipFill>
+              <a:blip r:embed="rId3"/>
+              <a:srcRect/>
+              <a:stretch>
+                <a:fillRect/>
+              </a:stretch>
+            </p:blipFill>
+            <p:spPr bwMode="auto">
+              <a:xfrm>
+                <a:off x="3031" y="672"/>
+                <a:ext cx="750" cy="912"/>
+              </a:xfrm>
+              <a:prstGeom prst="rect">
+                <a:avLst/>
+              </a:prstGeom>
+              <a:noFill/>
+              <a:ln w="9525">
+                <a:noFill/>
+                <a:miter lim="800000"/>
+                <a:headEnd/>
+                <a:tailEnd/>
+              </a:ln>
+            </p:spPr>
+          </p:pic>
+          <p:pic>
+            <p:nvPicPr>
+              <p:cNvPr id="16" name="Picture 6" descr="s1945"/>
+              <p:cNvPicPr>
+                <a:picLocks noChangeAspect="1" noChangeArrowheads="1"/>
+              </p:cNvPicPr>
+              <p:nvPr/>
+            </p:nvPicPr>
+            <p:blipFill>
+              <a:blip r:embed="rId4"/>
+              <a:srcRect/>
+              <a:stretch>
+                <a:fillRect/>
+              </a:stretch>
+            </p:blipFill>
+            <p:spPr bwMode="auto">
+              <a:xfrm>
+                <a:off x="3943" y="727"/>
+                <a:ext cx="1145" cy="713"/>
+              </a:xfrm>
+              <a:prstGeom prst="rect">
+                <a:avLst/>
+              </a:prstGeom>
+              <a:noFill/>
+              <a:ln w="9525">
+                <a:noFill/>
+                <a:miter lim="800000"/>
+                <a:headEnd/>
+                <a:tailEnd/>
+              </a:ln>
+            </p:spPr>
+          </p:pic>
+          <p:sp>
+            <p:nvSpPr>
+              <p:cNvPr id="17" name="Rectangle 8"/>
+              <p:cNvSpPr>
+                <a:spLocks noChangeArrowheads="1"/>
+              </p:cNvSpPr>
+              <p:nvPr/>
+            </p:nvSpPr>
+            <p:spPr bwMode="auto">
+              <a:xfrm>
+                <a:off x="3248" y="1634"/>
+                <a:ext cx="435" cy="368"/>
+              </a:xfrm>
+              <a:prstGeom prst="rect">
+                <a:avLst/>
+              </a:prstGeom>
+              <a:noFill/>
+              <a:ln w="9525">
+                <a:noFill/>
+                <a:miter lim="800000"/>
+                <a:headEnd/>
+                <a:tailEnd type="none" w="lg" len="lg"/>
+              </a:ln>
+            </p:spPr>
+            <p:txBody>
+              <a:bodyPr wrap="none">
+                <a:spAutoFit/>
+              </a:bodyPr>
+              <a:lstStyle/>
+              <a:p>
+                <a:r>
+                  <a:rPr lang="en-US" sz="3200" dirty="0">
+                    <a:latin typeface="Comic Sans MS" pitchFamily="66" charset="0"/>
+                  </a:rPr>
+                  <a:t>5</a:t>
+                </a:r>
+                <a:r>
+                  <a:rPr lang="en-US" sz="3200" dirty="0">
+                    <a:latin typeface="Comic Sans MS" pitchFamily="66" charset="0"/>
+                    <a:cs typeface="Times New Roman" pitchFamily="18" charset="0"/>
+                  </a:rPr>
+                  <a:t>¢</a:t>
+                </a:r>
+              </a:p>
+            </p:txBody>
+          </p:sp>
+          <p:sp>
+            <p:nvSpPr>
+              <p:cNvPr id="18" name="Rectangle 9"/>
+              <p:cNvSpPr>
+                <a:spLocks noChangeArrowheads="1"/>
+              </p:cNvSpPr>
+              <p:nvPr/>
+            </p:nvSpPr>
+            <p:spPr bwMode="auto">
+              <a:xfrm>
+                <a:off x="4352" y="1634"/>
+                <a:ext cx="435" cy="368"/>
+              </a:xfrm>
+              <a:prstGeom prst="rect">
+                <a:avLst/>
+              </a:prstGeom>
+              <a:noFill/>
+              <a:ln w="9525">
+                <a:noFill/>
+                <a:miter lim="800000"/>
+                <a:headEnd/>
+                <a:tailEnd type="none" w="lg" len="lg"/>
+              </a:ln>
+            </p:spPr>
+            <p:txBody>
+              <a:bodyPr wrap="none">
+                <a:spAutoFit/>
+              </a:bodyPr>
+              <a:lstStyle/>
+              <a:p>
+                <a:r>
+                  <a:rPr lang="en-US" sz="3200" dirty="0">
+                    <a:latin typeface="Comic Sans MS" pitchFamily="66" charset="0"/>
+                  </a:rPr>
+                  <a:t>3</a:t>
+                </a:r>
+                <a:r>
+                  <a:rPr lang="en-US" sz="3200" dirty="0">
+                    <a:latin typeface="Comic Sans MS" pitchFamily="66" charset="0"/>
+                    <a:cs typeface="Times New Roman" pitchFamily="18" charset="0"/>
+                  </a:rPr>
+                  <a:t>¢</a:t>
+                </a:r>
+              </a:p>
+            </p:txBody>
+          </p:sp>
+        </p:grpSp>
+      </p:grpSp>
+    </p:spTree>
+  </p:cSld>
+  <p:clrMapOvr>
+    <a:masterClrMapping/>
+  </p:clrMapOvr>
+  <p:transition>
+    <p:fade/>
+  </p:transition>
+  <p:timing>
+    <p:tnLst>
+      <p:par>
+        <p:cTn id="1" dur="indefinite" restart="never" nodeType="tmRoot">
+          <p:childTnLst>
+            <p:seq concurrent="1" nextAc="seek">
+              <p:cTn id="2" dur="indefinite" nodeType="mainSeq">
+                <p:childTnLst>
+                  <p:par>
+                    <p:cTn id="3" fill="hold">
+                      <p:stCondLst>
+                        <p:cond delay="indefinite"/>
+                        <p:cond evt="onBegin" delay="0">
+                          <p:tn val="2"/>
+                        </p:cond>
+                      </p:stCondLst>
+                      <p:childTnLst>
                         <p:par>
-                          <p:cTn id="7" fill="hold">
+                          <p:cTn id="4" fill="hold">
                             <p:stCondLst>
                               <p:cond delay="0"/>
                             </p:stCondLst>
                             <p:childTnLst>
                               <p:par>
-                                <p:cTn id="8" presetID="22" presetClass="entr" presetSubtype="8" fill="hold" nodeType="afterEffect">
+                                <p:cTn id="5" presetID="10" presetClass="entr" presetSubtype="0" fill="hold" grpId="0" nodeType="afterEffect">
                                   <p:stCondLst>
                                     <p:cond delay="0"/>
                                   </p:stCondLst>
                                   <p:childTnLst>
                                     <p:set>
                                       <p:cBhvr>
-                                        <p:cTn id="9" dur="1" fill="hold">
+                                        <p:cTn id="6" dur="1" fill="hold">
                                           <p:stCondLst>
                                             <p:cond delay="0"/>
                                           </p:stCondLst>
                                         </p:cTn>
                                         <p:tgtEl>
-                                          <p:spTgt spid="36868"/>
+                                          <p:spTgt spid="22534">
+                                            <p:txEl>
+                                              <p:pRg st="0" end="0"/>
+                                            </p:txEl>
+                                          </p:spTgt>
                                         </p:tgtEl>
                                         <p:attrNameLst>
                                           <p:attrName>style.visibility</p:attrName>
@@ -6322,11 +7438,15 @@
                                         <p:strVal val="visible"/>
                                       </p:to>
                                     </p:set>
-                                    <p:animEffect transition="in" filter="wipe(left)">
+                                    <p:animEffect transition="in" filter="fade">
                                       <p:cBhvr>
-                                        <p:cTn id="10" dur="1000"/>
+                                        <p:cTn id="7" dur="1000"/>
                                         <p:tgtEl>
-                                          <p:spTgt spid="36868"/>
+                                          <p:spTgt spid="22534">
+                                            <p:txEl>
+                                              <p:pRg st="0" end="0"/>
+                                            </p:txEl>
+                                          </p:spTgt>
                                         </p:tgtEl>
                                       </p:cBhvr>
                                     </p:animEffect>
@@ -6340,34 +7460,34 @@
                     </p:cTn>
                   </p:par>
                   <p:par>
-                    <p:cTn id="11" fill="hold">
+                    <p:cTn id="8" fill="hold">
                       <p:stCondLst>
                         <p:cond delay="indefinite"/>
                       </p:stCondLst>
                       <p:childTnLst>
                         <p:par>
-                          <p:cTn id="12" fill="hold">
+                          <p:cTn id="9" fill="hold">
                             <p:stCondLst>
                               <p:cond delay="0"/>
                             </p:stCondLst>
                             <p:childTnLst>
                               <p:par>
-                                <p:cTn id="13" presetID="1" presetClass="entr" presetSubtype="0" fill="hold" nodeType="clickEffect">
+                                <p:cTn id="10" presetID="10" presetClass="entr" presetSubtype="0" fill="hold" grpId="0" nodeType="clickEffect">
                                   <p:stCondLst>
                                     <p:cond delay="0"/>
                                   </p:stCondLst>
                                   <p:childTnLst>
                                     <p:set>
                                       <p:cBhvr>
-                                        <p:cTn id="14" dur="1" fill="hold">
+                                        <p:cTn id="11" dur="1" fill="hold">
                                           <p:stCondLst>
                                             <p:cond delay="0"/>
                                           </p:stCondLst>
                                         </p:cTn>
                                         <p:tgtEl>
-                                          <p:spTgt spid="355331">
+                                          <p:spTgt spid="22534">
                                             <p:txEl>
-                                              <p:pRg st="3" end="3"/>
+                                              <p:pRg st="1" end="1"/>
                                             </p:txEl>
                                           </p:spTgt>
                                         </p:tgtEl>
@@ -6379,11 +7499,805 @@
                                         <p:strVal val="visible"/>
                                       </p:to>
                                     </p:set>
+                                    <p:animEffect transition="in" filter="fade">
+                                      <p:cBhvr>
+                                        <p:cTn id="12" dur="1000"/>
+                                        <p:tgtEl>
+                                          <p:spTgt spid="22534">
+                                            <p:txEl>
+                                              <p:pRg st="1" end="1"/>
+                                            </p:txEl>
+                                          </p:spTgt>
+                                        </p:tgtEl>
+                                      </p:cBhvr>
+                                    </p:animEffect>
                                   </p:childTnLst>
                                 </p:cTn>
                               </p:par>
+                            </p:childTnLst>
+                          </p:cTn>
+                        </p:par>
+                        <p:par>
+                          <p:cTn id="13" fill="hold">
+                            <p:stCondLst>
+                              <p:cond delay="1000"/>
+                            </p:stCondLst>
+                            <p:childTnLst>
                               <p:par>
-                                <p:cTn id="15" presetID="1" presetClass="entr" presetSubtype="0" fill="hold" nodeType="withEffect">
+                                <p:cTn id="14" presetID="10" presetClass="entr" presetSubtype="0" fill="hold" grpId="0" nodeType="afterEffect">
+                                  <p:stCondLst>
+                                    <p:cond delay="0"/>
+                                  </p:stCondLst>
+                                  <p:childTnLst>
+                                    <p:set>
+                                      <p:cBhvr>
+                                        <p:cTn id="15" dur="1" fill="hold">
+                                          <p:stCondLst>
+                                            <p:cond delay="0"/>
+                                          </p:stCondLst>
+                                        </p:cTn>
+                                        <p:tgtEl>
+                                          <p:spTgt spid="22534">
+                                            <p:txEl>
+                                              <p:pRg st="2" end="2"/>
+                                            </p:txEl>
+                                          </p:spTgt>
+                                        </p:tgtEl>
+                                        <p:attrNameLst>
+                                          <p:attrName>style.visibility</p:attrName>
+                                        </p:attrNameLst>
+                                      </p:cBhvr>
+                                      <p:to>
+                                        <p:strVal val="visible"/>
+                                      </p:to>
+                                    </p:set>
+                                    <p:animEffect transition="in" filter="fade">
+                                      <p:cBhvr>
+                                        <p:cTn id="16" dur="1000"/>
+                                        <p:tgtEl>
+                                          <p:spTgt spid="22534">
+                                            <p:txEl>
+                                              <p:pRg st="2" end="2"/>
+                                            </p:txEl>
+                                          </p:spTgt>
+                                        </p:tgtEl>
+                                      </p:cBhvr>
+                                    </p:animEffect>
+                                  </p:childTnLst>
+                                </p:cTn>
+                              </p:par>
+                            </p:childTnLst>
+                          </p:cTn>
+                        </p:par>
+                      </p:childTnLst>
+                    </p:cTn>
+                  </p:par>
+                </p:childTnLst>
+              </p:cTn>
+              <p:prevCondLst>
+                <p:cond evt="onPrev" delay="0">
+                  <p:tgtEl>
+                    <p:sldTgt/>
+                  </p:tgtEl>
+                </p:cond>
+              </p:prevCondLst>
+              <p:nextCondLst>
+                <p:cond evt="onNext" delay="0">
+                  <p:tgtEl>
+                    <p:sldTgt/>
+                  </p:tgtEl>
+                </p:cond>
+              </p:nextCondLst>
+            </p:seq>
+          </p:childTnLst>
+        </p:cTn>
+      </p:par>
+    </p:tnLst>
+    <p:bldLst>
+      <p:bldP spid="22534" grpId="0" build="p"/>
+    </p:bldLst>
+  </p:timing>
+</p:sld>
+</file>
+
+<file path=ppt/slides/slide13.xml><?xml version="1.0" encoding="utf-8"?>
+<p:sld xmlns:a="http://schemas.openxmlformats.org/drawingml/2006/main" xmlns:r="http://schemas.openxmlformats.org/officeDocument/2006/relationships" xmlns:mc="http://schemas.openxmlformats.org/markup-compatibility/2006" xmlns:mv="urn:schemas-microsoft-com:mac:vml" xmlns:p="http://schemas.openxmlformats.org/presentationml/2006/main" mc:Ignorable="mv" mc:PreserveAttributes="mv:*" show="0">
+  <p:cSld>
+    <p:spTree>
+      <p:nvGrpSpPr>
+        <p:cNvPr id="1" name=""/>
+        <p:cNvGrpSpPr/>
+        <p:nvPr/>
+      </p:nvGrpSpPr>
+      <p:grpSpPr>
+        <a:xfrm>
+          <a:off x="0" y="0"/>
+          <a:ext cx="0" cy="0"/>
+          <a:chOff x="0" y="0"/>
+          <a:chExt cx="0" cy="0"/>
+        </a:xfrm>
+      </p:grpSpPr>
+      <p:grpSp>
+        <p:nvGrpSpPr>
+          <p:cNvPr id="11" name="Group 10"/>
+          <p:cNvGrpSpPr/>
+          <p:nvPr/>
+        </p:nvGrpSpPr>
+        <p:grpSpPr>
+          <a:xfrm>
+            <a:off x="223838" y="1165223"/>
+            <a:ext cx="8158162" cy="2111377"/>
+            <a:chOff x="223838" y="1165223"/>
+            <a:chExt cx="8158162" cy="2111377"/>
+          </a:xfrm>
+        </p:grpSpPr>
+        <p:sp>
+          <p:nvSpPr>
+            <p:cNvPr id="22531" name="Text Box 4"/>
+            <p:cNvSpPr txBox="1">
+              <a:spLocks noChangeArrowheads="1"/>
+            </p:cNvSpPr>
+            <p:nvPr/>
+          </p:nvSpPr>
+          <p:spPr bwMode="auto">
+            <a:xfrm>
+              <a:off x="223838" y="1668959"/>
+              <a:ext cx="4613764" cy="769441"/>
+            </a:xfrm>
+            <a:prstGeom prst="rect">
+              <a:avLst/>
+            </a:prstGeom>
+            <a:noFill/>
+            <a:ln w="9525">
+              <a:noFill/>
+              <a:miter lim="800000"/>
+              <a:headEnd/>
+              <a:tailEnd type="none" w="lg" len="lg"/>
+            </a:ln>
+          </p:spPr>
+          <p:txBody>
+            <a:bodyPr wrap="none">
+              <a:spAutoFit/>
+            </a:bodyPr>
+            <a:lstStyle/>
+            <a:p>
+              <a:r>
+                <a:rPr lang="en-US" sz="4400" dirty="0">
+                  <a:latin typeface="Comic Sans MS" pitchFamily="66" charset="0"/>
+                </a:rPr>
+                <a:t>available stamps:</a:t>
+              </a:r>
+            </a:p>
+          </p:txBody>
+        </p:sp>
+        <p:grpSp>
+          <p:nvGrpSpPr>
+            <p:cNvPr id="2" name="Group 12"/>
+            <p:cNvGrpSpPr>
+              <a:grpSpLocks/>
+            </p:cNvGrpSpPr>
+            <p:nvPr/>
+          </p:nvGrpSpPr>
+          <p:grpSpPr bwMode="auto">
+            <a:xfrm>
+              <a:off x="5116513" y="1165223"/>
+              <a:ext cx="3265487" cy="2111377"/>
+              <a:chOff x="3031" y="672"/>
+              <a:chExt cx="2057" cy="1330"/>
+            </a:xfrm>
+          </p:grpSpPr>
+          <p:pic>
+            <p:nvPicPr>
+              <p:cNvPr id="22537" name="Picture 5" descr="s150fr"/>
+              <p:cNvPicPr>
+                <a:picLocks noChangeAspect="1" noChangeArrowheads="1"/>
+              </p:cNvPicPr>
+              <p:nvPr/>
+            </p:nvPicPr>
+            <p:blipFill>
+              <a:blip r:embed="rId3"/>
+              <a:srcRect/>
+              <a:stretch>
+                <a:fillRect/>
+              </a:stretch>
+            </p:blipFill>
+            <p:spPr bwMode="auto">
+              <a:xfrm>
+                <a:off x="3031" y="672"/>
+                <a:ext cx="750" cy="912"/>
+              </a:xfrm>
+              <a:prstGeom prst="rect">
+                <a:avLst/>
+              </a:prstGeom>
+              <a:noFill/>
+              <a:ln w="9525">
+                <a:noFill/>
+                <a:miter lim="800000"/>
+                <a:headEnd/>
+                <a:tailEnd/>
+              </a:ln>
+            </p:spPr>
+          </p:pic>
+          <p:pic>
+            <p:nvPicPr>
+              <p:cNvPr id="22538" name="Picture 6" descr="s1945"/>
+              <p:cNvPicPr>
+                <a:picLocks noChangeAspect="1" noChangeArrowheads="1"/>
+              </p:cNvPicPr>
+              <p:nvPr/>
+            </p:nvPicPr>
+            <p:blipFill>
+              <a:blip r:embed="rId4"/>
+              <a:srcRect/>
+              <a:stretch>
+                <a:fillRect/>
+              </a:stretch>
+            </p:blipFill>
+            <p:spPr bwMode="auto">
+              <a:xfrm>
+                <a:off x="3943" y="727"/>
+                <a:ext cx="1145" cy="713"/>
+              </a:xfrm>
+              <a:prstGeom prst="rect">
+                <a:avLst/>
+              </a:prstGeom>
+              <a:noFill/>
+              <a:ln w="9525">
+                <a:noFill/>
+                <a:miter lim="800000"/>
+                <a:headEnd/>
+                <a:tailEnd/>
+              </a:ln>
+            </p:spPr>
+          </p:pic>
+          <p:sp>
+            <p:nvSpPr>
+              <p:cNvPr id="22539" name="Rectangle 8"/>
+              <p:cNvSpPr>
+                <a:spLocks noChangeArrowheads="1"/>
+              </p:cNvSpPr>
+              <p:nvPr/>
+            </p:nvSpPr>
+            <p:spPr bwMode="auto">
+              <a:xfrm>
+                <a:off x="3248" y="1634"/>
+                <a:ext cx="435" cy="368"/>
+              </a:xfrm>
+              <a:prstGeom prst="rect">
+                <a:avLst/>
+              </a:prstGeom>
+              <a:noFill/>
+              <a:ln w="9525">
+                <a:noFill/>
+                <a:miter lim="800000"/>
+                <a:headEnd/>
+                <a:tailEnd type="none" w="lg" len="lg"/>
+              </a:ln>
+            </p:spPr>
+            <p:txBody>
+              <a:bodyPr wrap="none">
+                <a:spAutoFit/>
+              </a:bodyPr>
+              <a:lstStyle/>
+              <a:p>
+                <a:r>
+                  <a:rPr lang="en-US" sz="3200" dirty="0">
+                    <a:latin typeface="Comic Sans MS" pitchFamily="66" charset="0"/>
+                  </a:rPr>
+                  <a:t>5</a:t>
+                </a:r>
+                <a:r>
+                  <a:rPr lang="en-US" sz="3200" dirty="0">
+                    <a:latin typeface="Comic Sans MS" pitchFamily="66" charset="0"/>
+                    <a:cs typeface="Times New Roman" pitchFamily="18" charset="0"/>
+                  </a:rPr>
+                  <a:t>¢</a:t>
+                </a:r>
+              </a:p>
+            </p:txBody>
+          </p:sp>
+          <p:sp>
+            <p:nvSpPr>
+              <p:cNvPr id="22540" name="Rectangle 9"/>
+              <p:cNvSpPr>
+                <a:spLocks noChangeArrowheads="1"/>
+              </p:cNvSpPr>
+              <p:nvPr/>
+            </p:nvSpPr>
+            <p:spPr bwMode="auto">
+              <a:xfrm>
+                <a:off x="4352" y="1634"/>
+                <a:ext cx="435" cy="368"/>
+              </a:xfrm>
+              <a:prstGeom prst="rect">
+                <a:avLst/>
+              </a:prstGeom>
+              <a:noFill/>
+              <a:ln w="9525">
+                <a:noFill/>
+                <a:miter lim="800000"/>
+                <a:headEnd/>
+                <a:tailEnd type="none" w="lg" len="lg"/>
+              </a:ln>
+            </p:spPr>
+            <p:txBody>
+              <a:bodyPr wrap="none">
+                <a:spAutoFit/>
+              </a:bodyPr>
+              <a:lstStyle/>
+              <a:p>
+                <a:r>
+                  <a:rPr lang="en-US" sz="3200" dirty="0">
+                    <a:latin typeface="Comic Sans MS" pitchFamily="66" charset="0"/>
+                  </a:rPr>
+                  <a:t>3</a:t>
+                </a:r>
+                <a:r>
+                  <a:rPr lang="en-US" sz="3200" dirty="0">
+                    <a:latin typeface="Comic Sans MS" pitchFamily="66" charset="0"/>
+                    <a:cs typeface="Times New Roman" pitchFamily="18" charset="0"/>
+                  </a:rPr>
+                  <a:t>¢</a:t>
+                </a:r>
+              </a:p>
+            </p:txBody>
+          </p:sp>
+        </p:grpSp>
+      </p:grpSp>
+      <p:sp>
+        <p:nvSpPr>
+          <p:cNvPr id="22534" name="Text Box 10"/>
+          <p:cNvSpPr txBox="1">
+            <a:spLocks noChangeArrowheads="1"/>
+          </p:cNvSpPr>
+          <p:nvPr/>
+        </p:nvSpPr>
+        <p:spPr bwMode="auto">
+          <a:xfrm>
+            <a:off x="228600" y="3124200"/>
+            <a:ext cx="8534400" cy="923330"/>
+          </a:xfrm>
+          <a:prstGeom prst="rect">
+            <a:avLst/>
+          </a:prstGeom>
+          <a:noFill/>
+          <a:ln w="9525">
+            <a:noFill/>
+            <a:miter lim="800000"/>
+            <a:headEnd/>
+            <a:tailEnd type="none" w="lg" len="lg"/>
+          </a:ln>
+        </p:spPr>
+        <p:txBody>
+          <a:bodyPr wrap="square">
+            <a:spAutoFit/>
+          </a:bodyPr>
+          <a:lstStyle/>
+          <a:p>
+            <a:r>
+              <a:rPr lang="en-US" sz="4400" dirty="0" err="1" smtClean="0">
+                <a:solidFill>
+                  <a:srgbClr val="7030A0"/>
+                </a:solidFill>
+                <a:latin typeface="Comic Sans MS" pitchFamily="66" charset="0"/>
+              </a:rPr>
+              <a:t>Thm</a:t>
+            </a:r>
+            <a:r>
+              <a:rPr lang="en-US" sz="4400" dirty="0" smtClean="0">
+                <a:solidFill>
+                  <a:srgbClr val="7030A0"/>
+                </a:solidFill>
+                <a:latin typeface="Comic Sans MS" pitchFamily="66" charset="0"/>
+              </a:rPr>
+              <a:t>:</a:t>
+            </a:r>
+            <a:r>
+              <a:rPr lang="en-US" sz="5400" dirty="0" smtClean="0">
+                <a:latin typeface="Comic Sans MS" pitchFamily="66" charset="0"/>
+              </a:rPr>
+              <a:t> </a:t>
+            </a:r>
+            <a:r>
+              <a:rPr lang="en-US" sz="4800" dirty="0" smtClean="0">
+                <a:latin typeface="Comic Sans MS" pitchFamily="66" charset="0"/>
+              </a:rPr>
+              <a:t>Get any amount </a:t>
+            </a:r>
+            <a:r>
+              <a:rPr lang="en-US" sz="4800" dirty="0" err="1" smtClean="0">
+                <a:solidFill>
+                  <a:srgbClr val="0000FF"/>
+                </a:solidFill>
+                <a:latin typeface="Comic Sans MS" pitchFamily="66" charset="0"/>
+              </a:rPr>
+              <a:t>n</a:t>
+            </a:r>
+            <a:r>
+              <a:rPr lang="en-US" sz="4800" dirty="0" smtClean="0">
+                <a:latin typeface="Comic Sans MS" pitchFamily="66" charset="0"/>
+              </a:rPr>
+              <a:t> </a:t>
+            </a:r>
+            <a:r>
+              <a:rPr lang="en-US" sz="4800" b="1" dirty="0" smtClean="0">
+                <a:latin typeface="Euclid Symbol"/>
+                <a:sym typeface="Euclid Symbol"/>
+              </a:rPr>
+              <a:t>≥ </a:t>
+            </a:r>
+            <a:r>
+              <a:rPr lang="en-US" sz="5400" dirty="0" smtClean="0">
+                <a:latin typeface="Comic Sans MS" pitchFamily="66" charset="0"/>
+              </a:rPr>
+              <a:t>8</a:t>
+            </a:r>
+            <a:r>
+              <a:rPr lang="en-US" sz="5400" dirty="0">
+                <a:latin typeface="Comic Sans MS" pitchFamily="66" charset="0"/>
+                <a:cs typeface="Times New Roman" pitchFamily="18" charset="0"/>
+              </a:rPr>
+              <a:t>¢</a:t>
+            </a:r>
+            <a:endParaRPr lang="en-US" sz="5400" dirty="0">
+              <a:latin typeface="Comic Sans MS" pitchFamily="66" charset="0"/>
+            </a:endParaRPr>
+          </a:p>
+        </p:txBody>
+      </p:sp>
+      <p:sp>
+        <p:nvSpPr>
+          <p:cNvPr id="345099" name="Text Box 11"/>
+          <p:cNvSpPr txBox="1">
+            <a:spLocks noChangeArrowheads="1"/>
+          </p:cNvSpPr>
+          <p:nvPr/>
+        </p:nvSpPr>
+        <p:spPr bwMode="auto">
+          <a:xfrm>
+            <a:off x="304800" y="4154031"/>
+            <a:ext cx="8382000" cy="2246769"/>
+          </a:xfrm>
+          <a:prstGeom prst="rect">
+            <a:avLst/>
+          </a:prstGeom>
+          <a:noFill/>
+          <a:ln w="9525">
+            <a:noFill/>
+            <a:miter lim="800000"/>
+            <a:headEnd/>
+            <a:tailEnd type="none" w="lg" len="lg"/>
+          </a:ln>
+        </p:spPr>
+        <p:txBody>
+          <a:bodyPr wrap="square">
+            <a:spAutoFit/>
+          </a:bodyPr>
+          <a:lstStyle/>
+          <a:p>
+            <a:r>
+              <a:rPr lang="en-US" sz="4800" dirty="0">
+                <a:latin typeface="Comic Sans MS" pitchFamily="66" charset="0"/>
+              </a:rPr>
+              <a:t>Prove by </a:t>
+            </a:r>
+            <a:r>
+              <a:rPr lang="en-US" sz="4800" dirty="0" smtClean="0">
+                <a:latin typeface="Comic Sans MS" pitchFamily="66" charset="0"/>
+              </a:rPr>
+              <a:t>WOP.  Suppose </a:t>
+            </a:r>
+            <a:r>
+              <a:rPr lang="en-US" sz="4800" dirty="0" smtClean="0">
+                <a:solidFill>
+                  <a:srgbClr val="C00000"/>
+                </a:solidFill>
+                <a:latin typeface="Comic Sans MS" pitchFamily="66" charset="0"/>
+              </a:rPr>
+              <a:t>not</a:t>
+            </a:r>
+            <a:r>
+              <a:rPr lang="en-US" sz="4800" dirty="0" smtClean="0">
+                <a:latin typeface="Comic Sans MS" pitchFamily="66" charset="0"/>
+              </a:rPr>
+              <a:t>.</a:t>
+            </a:r>
+          </a:p>
+          <a:p>
+            <a:r>
+              <a:rPr lang="en-US" sz="4400" dirty="0" smtClean="0">
+                <a:latin typeface="Comic Sans MS" pitchFamily="66" charset="0"/>
+              </a:rPr>
+              <a:t>Let </a:t>
+            </a:r>
+            <a:r>
+              <a:rPr lang="en-US" sz="4400" dirty="0" smtClean="0">
+                <a:solidFill>
+                  <a:srgbClr val="FF0000"/>
+                </a:solidFill>
+                <a:latin typeface="Comic Sans MS" pitchFamily="66" charset="0"/>
+              </a:rPr>
+              <a:t>m</a:t>
+            </a:r>
+            <a:r>
+              <a:rPr lang="en-US" sz="4400" dirty="0" smtClean="0">
+                <a:latin typeface="Comic Sans MS" pitchFamily="66" charset="0"/>
+              </a:rPr>
+              <a:t> be </a:t>
+            </a:r>
+            <a:r>
+              <a:rPr lang="en-US" sz="4400" dirty="0" smtClean="0">
+                <a:solidFill>
+                  <a:srgbClr val="0000FF"/>
+                </a:solidFill>
+                <a:latin typeface="Comic Sans MS" pitchFamily="66" charset="0"/>
+              </a:rPr>
+              <a:t>least</a:t>
+            </a:r>
+            <a:r>
+              <a:rPr lang="en-US" sz="4400" dirty="0" smtClean="0">
+                <a:latin typeface="Comic Sans MS" pitchFamily="66" charset="0"/>
+              </a:rPr>
+              <a:t> counterexample:</a:t>
+            </a:r>
+          </a:p>
+          <a:p>
+            <a:r>
+              <a:rPr lang="en-US" sz="4800" dirty="0" smtClean="0">
+                <a:latin typeface="Comic Sans MS" pitchFamily="66" charset="0"/>
+                <a:sym typeface="Euclid Symbol"/>
+              </a:rPr>
+              <a:t>if </a:t>
+            </a:r>
+            <a:r>
+              <a:rPr lang="en-US" sz="4800" dirty="0" smtClean="0">
+                <a:solidFill>
+                  <a:srgbClr val="FF0000"/>
+                </a:solidFill>
+                <a:latin typeface="Comic Sans MS" pitchFamily="66" charset="0"/>
+                <a:sym typeface="Euclid Symbol"/>
+              </a:rPr>
+              <a:t>m</a:t>
+            </a:r>
+            <a:r>
+              <a:rPr lang="en-US" sz="4800" dirty="0" smtClean="0">
+                <a:solidFill>
+                  <a:srgbClr val="028822"/>
+                </a:solidFill>
+                <a:latin typeface="Comic Sans MS" pitchFamily="66" charset="0"/>
+                <a:sym typeface="Euclid Symbol"/>
+              </a:rPr>
+              <a:t> </a:t>
+            </a:r>
+            <a:r>
+              <a:rPr lang="en-US" sz="4800" dirty="0" smtClean="0">
+                <a:latin typeface="Times"/>
+                <a:sym typeface="Euclid Symbol"/>
+              </a:rPr>
+              <a:t>&gt;</a:t>
+            </a:r>
+            <a:r>
+              <a:rPr lang="en-US" sz="4800" b="1" dirty="0" smtClean="0">
+                <a:latin typeface="Times"/>
+                <a:sym typeface="Euclid Symbol"/>
+              </a:rPr>
+              <a:t> </a:t>
+            </a:r>
+            <a:r>
+              <a:rPr lang="en-US" sz="4800" dirty="0" err="1" smtClean="0">
+                <a:solidFill>
+                  <a:srgbClr val="0033CC"/>
+                </a:solidFill>
+                <a:latin typeface="Comic Sans MS" pitchFamily="66" charset="0"/>
+                <a:sym typeface="Euclid Symbol"/>
+              </a:rPr>
+              <a:t>n</a:t>
+            </a:r>
+            <a:r>
+              <a:rPr lang="en-US" sz="4800" b="1" dirty="0" smtClean="0">
+                <a:latin typeface="Comic Sans MS" pitchFamily="66" charset="0"/>
+                <a:sym typeface="Euclid Symbol"/>
+              </a:rPr>
+              <a:t> </a:t>
+            </a:r>
+            <a:r>
+              <a:rPr lang="en-US" sz="4800" b="1" dirty="0" smtClean="0">
+                <a:latin typeface="Euclid Symbol"/>
+                <a:sym typeface="Euclid Symbol"/>
+              </a:rPr>
+              <a:t>≥ </a:t>
+            </a:r>
+            <a:r>
+              <a:rPr lang="en-US" sz="4800" dirty="0" smtClean="0">
+                <a:latin typeface="Comic Sans MS" pitchFamily="66" charset="0"/>
+                <a:sym typeface="Euclid Symbol"/>
+              </a:rPr>
+              <a:t>8, can get </a:t>
+            </a:r>
+            <a:r>
+              <a:rPr lang="en-US" sz="4800" dirty="0" smtClean="0">
+                <a:solidFill>
+                  <a:srgbClr val="0033CC"/>
+                </a:solidFill>
+                <a:latin typeface="Comic Sans MS" pitchFamily="66" charset="0"/>
+                <a:sym typeface="Euclid Symbol"/>
+              </a:rPr>
+              <a:t>n</a:t>
+            </a:r>
+            <a:r>
+              <a:rPr lang="en-US" sz="4800" dirty="0" smtClean="0">
+                <a:latin typeface="Comic Sans MS" pitchFamily="66" charset="0"/>
+                <a:cs typeface="Times New Roman" pitchFamily="18" charset="0"/>
+              </a:rPr>
+              <a:t>¢.</a:t>
+            </a:r>
+            <a:endParaRPr lang="en-US" sz="3600" dirty="0">
+              <a:latin typeface="Comic Sans MS" pitchFamily="66" charset="0"/>
+              <a:cs typeface="Times New Roman" pitchFamily="18" charset="0"/>
+            </a:endParaRPr>
+          </a:p>
+        </p:txBody>
+      </p:sp>
+      <p:sp>
+        <p:nvSpPr>
+          <p:cNvPr id="22536" name="Rectangle 14"/>
+          <p:cNvSpPr>
+            <a:spLocks noGrp="1" noChangeArrowheads="1"/>
+          </p:cNvSpPr>
+          <p:nvPr>
+            <p:ph type="title"/>
+          </p:nvPr>
+        </p:nvSpPr>
+        <p:spPr>
+          <a:noFill/>
+        </p:spPr>
+        <p:txBody>
+          <a:bodyPr/>
+          <a:lstStyle/>
+          <a:p>
+            <a:r>
+              <a:rPr lang="en-US" dirty="0" smtClean="0"/>
+              <a:t>Well Ordered Postage</a:t>
+            </a:r>
+          </a:p>
+        </p:txBody>
+      </p:sp>
+    </p:spTree>
+  </p:cSld>
+  <p:clrMapOvr>
+    <a:masterClrMapping/>
+  </p:clrMapOvr>
+  <p:transition spd="slow">
+    <p:fade thruBlk="1"/>
+  </p:transition>
+  <p:timing>
+    <p:tnLst>
+      <p:par>
+        <p:cTn id="1" dur="indefinite" restart="never" nodeType="tmRoot">
+          <p:childTnLst>
+            <p:seq concurrent="1" nextAc="seek">
+              <p:cTn id="2" dur="indefinite" nodeType="mainSeq">
+                <p:childTnLst>
+                  <p:par>
+                    <p:cTn id="3" fill="hold">
+                      <p:stCondLst>
+                        <p:cond delay="indefinite"/>
+                      </p:stCondLst>
+                      <p:childTnLst>
+                        <p:par>
+                          <p:cTn id="4" fill="hold">
+                            <p:stCondLst>
+                              <p:cond delay="0"/>
+                            </p:stCondLst>
+                            <p:childTnLst>
+                              <p:par>
+                                <p:cTn id="5" presetID="22" presetClass="entr" presetSubtype="8" fill="hold" nodeType="clickEffect">
+                                  <p:stCondLst>
+                                    <p:cond delay="0"/>
+                                  </p:stCondLst>
+                                  <p:childTnLst>
+                                    <p:set>
+                                      <p:cBhvr>
+                                        <p:cTn id="6" dur="1" fill="hold">
+                                          <p:stCondLst>
+                                            <p:cond delay="0"/>
+                                          </p:stCondLst>
+                                        </p:cTn>
+                                        <p:tgtEl>
+                                          <p:spTgt spid="11"/>
+                                        </p:tgtEl>
+                                        <p:attrNameLst>
+                                          <p:attrName>style.visibility</p:attrName>
+                                        </p:attrNameLst>
+                                      </p:cBhvr>
+                                      <p:to>
+                                        <p:strVal val="visible"/>
+                                      </p:to>
+                                    </p:set>
+                                    <p:animEffect transition="in" filter="wipe(left)">
+                                      <p:cBhvr>
+                                        <p:cTn id="7" dur="1000"/>
+                                        <p:tgtEl>
+                                          <p:spTgt spid="11"/>
+                                        </p:tgtEl>
+                                      </p:cBhvr>
+                                    </p:animEffect>
+                                  </p:childTnLst>
+                                </p:cTn>
+                              </p:par>
+                            </p:childTnLst>
+                          </p:cTn>
+                        </p:par>
+                      </p:childTnLst>
+                    </p:cTn>
+                  </p:par>
+                  <p:par>
+                    <p:cTn id="8" fill="hold">
+                      <p:stCondLst>
+                        <p:cond delay="indefinite"/>
+                      </p:stCondLst>
+                      <p:childTnLst>
+                        <p:par>
+                          <p:cTn id="9" fill="hold">
+                            <p:stCondLst>
+                              <p:cond delay="0"/>
+                            </p:stCondLst>
+                            <p:childTnLst>
+                              <p:par>
+                                <p:cTn id="10" presetID="10" presetClass="entr" presetSubtype="0" fill="hold" grpId="0" nodeType="clickEffect">
+                                  <p:stCondLst>
+                                    <p:cond delay="0"/>
+                                  </p:stCondLst>
+                                  <p:childTnLst>
+                                    <p:set>
+                                      <p:cBhvr>
+                                        <p:cTn id="11" dur="1" fill="hold">
+                                          <p:stCondLst>
+                                            <p:cond delay="0"/>
+                                          </p:stCondLst>
+                                        </p:cTn>
+                                        <p:tgtEl>
+                                          <p:spTgt spid="22534"/>
+                                        </p:tgtEl>
+                                        <p:attrNameLst>
+                                          <p:attrName>style.visibility</p:attrName>
+                                        </p:attrNameLst>
+                                      </p:cBhvr>
+                                      <p:to>
+                                        <p:strVal val="visible"/>
+                                      </p:to>
+                                    </p:set>
+                                    <p:animEffect transition="in" filter="fade">
+                                      <p:cBhvr>
+                                        <p:cTn id="12" dur="500"/>
+                                        <p:tgtEl>
+                                          <p:spTgt spid="22534"/>
+                                        </p:tgtEl>
+                                      </p:cBhvr>
+                                    </p:animEffect>
+                                  </p:childTnLst>
+                                </p:cTn>
+                              </p:par>
+                            </p:childTnLst>
+                          </p:cTn>
+                        </p:par>
+                      </p:childTnLst>
+                    </p:cTn>
+                  </p:par>
+                  <p:par>
+                    <p:cTn id="13" fill="hold">
+                      <p:stCondLst>
+                        <p:cond delay="indefinite"/>
+                      </p:stCondLst>
+                      <p:childTnLst>
+                        <p:par>
+                          <p:cTn id="14" fill="hold">
+                            <p:stCondLst>
+                              <p:cond delay="0"/>
+                            </p:stCondLst>
+                            <p:childTnLst>
+                              <p:par>
+                                <p:cTn id="15" presetID="1" presetClass="entr" presetSubtype="0" fill="hold" nodeType="clickEffect">
                                   <p:stCondLst>
                                     <p:cond delay="0"/>
                                   </p:stCondLst>
@@ -6396,7 +8310,11 @@
                                           </p:stCondLst>
                                         </p:cTn>
                                         <p:tgtEl>
-                                          <p:spTgt spid="8"/>
+                                          <p:spTgt spid="345099">
+                                            <p:txEl>
+                                              <p:pRg st="0" end="0"/>
+                                            </p:txEl>
+                                          </p:spTgt>
                                         </p:tgtEl>
                                         <p:attrNameLst>
                                           <p:attrName>style.visibility</p:attrName>
@@ -6441,9 +8359,9 @@
                                           </p:stCondLst>
                                         </p:cTn>
                                         <p:tgtEl>
-                                          <p:spTgt spid="355331">
+                                          <p:spTgt spid="345099">
                                             <p:txEl>
-                                              <p:pRg st="4" end="4"/>
+                                              <p:pRg st="1" end="1"/>
                                             </p:txEl>
                                           </p:spTgt>
                                         </p:tgtEl>
@@ -6477,7 +8395,7 @@
                             </p:stCondLst>
                             <p:childTnLst>
                               <p:par>
-                                <p:cTn id="23" presetID="9" presetClass="entr" presetSubtype="0" fill="hold" nodeType="clickEffect">
+                                <p:cTn id="23" presetID="1" presetClass="entr" presetSubtype="0" fill="hold" nodeType="clickEffect">
                                   <p:stCondLst>
                                     <p:cond delay="0"/>
                                   </p:stCondLst>
@@ -6490,9 +8408,9 @@
                                           </p:stCondLst>
                                         </p:cTn>
                                         <p:tgtEl>
-                                          <p:spTgt spid="355331">
+                                          <p:spTgt spid="345099">
                                             <p:txEl>
-                                              <p:pRg st="5" end="5"/>
+                                              <p:pRg st="2" end="2"/>
                                             </p:txEl>
                                           </p:spTgt>
                                         </p:tgtEl>
@@ -6504,36 +8422,42 @@
                                         <p:strVal val="visible"/>
                                       </p:to>
                                     </p:set>
-                                    <p:animEffect transition="in" filter="dissolve">
-                                      <p:cBhvr>
-                                        <p:cTn id="25" dur="500"/>
-                                        <p:tgtEl>
-                                          <p:spTgt spid="355331">
-                                            <p:txEl>
-                                              <p:pRg st="5" end="5"/>
-                                            </p:txEl>
-                                          </p:spTgt>
-                                        </p:tgtEl>
-                                      </p:cBhvr>
-                                    </p:animEffect>
                                   </p:childTnLst>
                                 </p:cTn>
                               </p:par>
+                            </p:childTnLst>
+                          </p:cTn>
+                        </p:par>
+                      </p:childTnLst>
+                    </p:cTn>
+                  </p:par>
+                  <p:par>
+                    <p:cTn id="25" fill="hold">
+                      <p:stCondLst>
+                        <p:cond delay="indefinite"/>
+                      </p:stCondLst>
+                      <p:childTnLst>
+                        <p:par>
+                          <p:cTn id="26" fill="hold">
+                            <p:stCondLst>
+                              <p:cond delay="0"/>
+                            </p:stCondLst>
+                            <p:childTnLst>
                               <p:par>
-                                <p:cTn id="26" presetID="1" presetClass="entr" presetSubtype="0" fill="hold" nodeType="withEffect">
+                                <p:cTn id="27" presetID="10" presetClass="entr" presetSubtype="0" fill="hold" nodeType="clickEffect">
                                   <p:stCondLst>
                                     <p:cond delay="0"/>
                                   </p:stCondLst>
                                   <p:childTnLst>
                                     <p:set>
                                       <p:cBhvr>
-                                        <p:cTn id="27" dur="1" fill="hold">
+                                        <p:cTn id="28" dur="1" fill="hold">
                                           <p:stCondLst>
                                             <p:cond delay="0"/>
                                           </p:stCondLst>
                                         </p:cTn>
                                         <p:tgtEl>
-                                          <p:spTgt spid="36870"/>
+                                          <p:spTgt spid="11"/>
                                         </p:tgtEl>
                                         <p:attrNameLst>
                                           <p:attrName>style.visibility</p:attrName>
@@ -6543,6 +8467,14 @@
                                         <p:strVal val="visible"/>
                                       </p:to>
                                     </p:set>
+                                    <p:animEffect transition="in" filter="fade">
+                                      <p:cBhvr>
+                                        <p:cTn id="29" dur="2000"/>
+                                        <p:tgtEl>
+                                          <p:spTgt spid="11"/>
+                                        </p:tgtEl>
+                                      </p:cBhvr>
+                                    </p:animEffect>
                                   </p:childTnLst>
                                 </p:cTn>
                               </p:par>
@@ -6573,736 +8505,14 @@
         </p:cTn>
       </p:par>
     </p:tnLst>
+    <p:bldLst>
+      <p:bldP spid="22534" grpId="0"/>
+    </p:bldLst>
   </p:timing>
 </p:sld>
 </file>
 
-<file path=ppt/slides/slide12.xml><?xml version="1.0" encoding="utf-8"?>
-<p:sld xmlns:a="http://schemas.openxmlformats.org/drawingml/2006/main" xmlns:r="http://schemas.openxmlformats.org/officeDocument/2006/relationships" xmlns:mc="http://schemas.openxmlformats.org/markup-compatibility/2006" xmlns:mv="urn:schemas-microsoft-com:mac:vml" xmlns:p="http://schemas.openxmlformats.org/presentationml/2006/main" mc:Ignorable="mv" mc:PreserveAttributes="mv:*">
-  <p:cSld>
-    <p:spTree>
-      <p:nvGrpSpPr>
-        <p:cNvPr id="1" name=""/>
-        <p:cNvGrpSpPr/>
-        <p:nvPr/>
-      </p:nvGrpSpPr>
-      <p:grpSpPr>
-        <a:xfrm>
-          <a:off x="0" y="0"/>
-          <a:ext cx="0" cy="0"/>
-          <a:chOff x="0" y="0"/>
-          <a:chExt cx="0" cy="0"/>
-        </a:xfrm>
-      </p:grpSpPr>
-      <p:sp>
-        <p:nvSpPr>
-          <p:cNvPr id="22531" name="Text Box 4"/>
-          <p:cNvSpPr txBox="1">
-            <a:spLocks noChangeArrowheads="1"/>
-          </p:cNvSpPr>
-          <p:nvPr/>
-        </p:nvSpPr>
-        <p:spPr bwMode="auto">
-          <a:xfrm>
-            <a:off x="223838" y="1668959"/>
-            <a:ext cx="4613764" cy="769441"/>
-          </a:xfrm>
-          <a:prstGeom prst="rect">
-            <a:avLst/>
-          </a:prstGeom>
-          <a:noFill/>
-          <a:ln w="9525">
-            <a:noFill/>
-            <a:miter lim="800000"/>
-            <a:headEnd/>
-            <a:tailEnd type="none" w="lg" len="lg"/>
-          </a:ln>
-        </p:spPr>
-        <p:txBody>
-          <a:bodyPr wrap="none">
-            <a:spAutoFit/>
-          </a:bodyPr>
-          <a:lstStyle/>
-          <a:p>
-            <a:r>
-              <a:rPr lang="en-US" sz="4400" dirty="0">
-                <a:latin typeface="Comic Sans MS" pitchFamily="66" charset="0"/>
-              </a:rPr>
-              <a:t>available stamps:</a:t>
-            </a:r>
-          </a:p>
-        </p:txBody>
-      </p:sp>
-      <p:grpSp>
-        <p:nvGrpSpPr>
-          <p:cNvPr id="2" name="Group 12"/>
-          <p:cNvGrpSpPr>
-            <a:grpSpLocks/>
-          </p:cNvGrpSpPr>
-          <p:nvPr/>
-        </p:nvGrpSpPr>
-        <p:grpSpPr bwMode="auto">
-          <a:xfrm>
-            <a:off x="5116513" y="1165223"/>
-            <a:ext cx="3265487" cy="2111377"/>
-            <a:chOff x="3031" y="672"/>
-            <a:chExt cx="2057" cy="1330"/>
-          </a:xfrm>
-        </p:grpSpPr>
-        <p:pic>
-          <p:nvPicPr>
-            <p:cNvPr id="22537" name="Picture 5" descr="s150fr"/>
-            <p:cNvPicPr>
-              <a:picLocks noChangeAspect="1" noChangeArrowheads="1"/>
-            </p:cNvPicPr>
-            <p:nvPr/>
-          </p:nvPicPr>
-          <p:blipFill>
-            <a:blip r:embed="rId3"/>
-            <a:srcRect/>
-            <a:stretch>
-              <a:fillRect/>
-            </a:stretch>
-          </p:blipFill>
-          <p:spPr bwMode="auto">
-            <a:xfrm>
-              <a:off x="3031" y="672"/>
-              <a:ext cx="750" cy="912"/>
-            </a:xfrm>
-            <a:prstGeom prst="rect">
-              <a:avLst/>
-            </a:prstGeom>
-            <a:noFill/>
-            <a:ln w="9525">
-              <a:noFill/>
-              <a:miter lim="800000"/>
-              <a:headEnd/>
-              <a:tailEnd/>
-            </a:ln>
-          </p:spPr>
-        </p:pic>
-        <p:pic>
-          <p:nvPicPr>
-            <p:cNvPr id="22538" name="Picture 6" descr="s1945"/>
-            <p:cNvPicPr>
-              <a:picLocks noChangeAspect="1" noChangeArrowheads="1"/>
-            </p:cNvPicPr>
-            <p:nvPr/>
-          </p:nvPicPr>
-          <p:blipFill>
-            <a:blip r:embed="rId4"/>
-            <a:srcRect/>
-            <a:stretch>
-              <a:fillRect/>
-            </a:stretch>
-          </p:blipFill>
-          <p:spPr bwMode="auto">
-            <a:xfrm>
-              <a:off x="3943" y="727"/>
-              <a:ext cx="1145" cy="713"/>
-            </a:xfrm>
-            <a:prstGeom prst="rect">
-              <a:avLst/>
-            </a:prstGeom>
-            <a:noFill/>
-            <a:ln w="9525">
-              <a:noFill/>
-              <a:miter lim="800000"/>
-              <a:headEnd/>
-              <a:tailEnd/>
-            </a:ln>
-          </p:spPr>
-        </p:pic>
-        <p:sp>
-          <p:nvSpPr>
-            <p:cNvPr id="22539" name="Rectangle 8"/>
-            <p:cNvSpPr>
-              <a:spLocks noChangeArrowheads="1"/>
-            </p:cNvSpPr>
-            <p:nvPr/>
-          </p:nvSpPr>
-          <p:spPr bwMode="auto">
-            <a:xfrm>
-              <a:off x="3248" y="1634"/>
-              <a:ext cx="435" cy="368"/>
-            </a:xfrm>
-            <a:prstGeom prst="rect">
-              <a:avLst/>
-            </a:prstGeom>
-            <a:noFill/>
-            <a:ln w="9525">
-              <a:noFill/>
-              <a:miter lim="800000"/>
-              <a:headEnd/>
-              <a:tailEnd type="none" w="lg" len="lg"/>
-            </a:ln>
-          </p:spPr>
-          <p:txBody>
-            <a:bodyPr wrap="none">
-              <a:spAutoFit/>
-            </a:bodyPr>
-            <a:lstStyle/>
-            <a:p>
-              <a:r>
-                <a:rPr lang="en-US" sz="3200" dirty="0">
-                  <a:latin typeface="Comic Sans MS" pitchFamily="66" charset="0"/>
-                </a:rPr>
-                <a:t>5</a:t>
-              </a:r>
-              <a:r>
-                <a:rPr lang="en-US" sz="3200" dirty="0">
-                  <a:latin typeface="Comic Sans MS" pitchFamily="66" charset="0"/>
-                  <a:cs typeface="Times New Roman" pitchFamily="18" charset="0"/>
-                </a:rPr>
-                <a:t>¢</a:t>
-              </a:r>
-            </a:p>
-          </p:txBody>
-        </p:sp>
-        <p:sp>
-          <p:nvSpPr>
-            <p:cNvPr id="22540" name="Rectangle 9"/>
-            <p:cNvSpPr>
-              <a:spLocks noChangeArrowheads="1"/>
-            </p:cNvSpPr>
-            <p:nvPr/>
-          </p:nvSpPr>
-          <p:spPr bwMode="auto">
-            <a:xfrm>
-              <a:off x="4352" y="1634"/>
-              <a:ext cx="435" cy="368"/>
-            </a:xfrm>
-            <a:prstGeom prst="rect">
-              <a:avLst/>
-            </a:prstGeom>
-            <a:noFill/>
-            <a:ln w="9525">
-              <a:noFill/>
-              <a:miter lim="800000"/>
-              <a:headEnd/>
-              <a:tailEnd type="none" w="lg" len="lg"/>
-            </a:ln>
-          </p:spPr>
-          <p:txBody>
-            <a:bodyPr wrap="none">
-              <a:spAutoFit/>
-            </a:bodyPr>
-            <a:lstStyle/>
-            <a:p>
-              <a:r>
-                <a:rPr lang="en-US" sz="3200" dirty="0">
-                  <a:latin typeface="Comic Sans MS" pitchFamily="66" charset="0"/>
-                </a:rPr>
-                <a:t>3</a:t>
-              </a:r>
-              <a:r>
-                <a:rPr lang="en-US" sz="3200" dirty="0">
-                  <a:latin typeface="Comic Sans MS" pitchFamily="66" charset="0"/>
-                  <a:cs typeface="Times New Roman" pitchFamily="18" charset="0"/>
-                </a:rPr>
-                <a:t>¢</a:t>
-              </a:r>
-            </a:p>
-          </p:txBody>
-        </p:sp>
-      </p:grpSp>
-      <p:sp>
-        <p:nvSpPr>
-          <p:cNvPr id="22534" name="Text Box 10"/>
-          <p:cNvSpPr txBox="1">
-            <a:spLocks noChangeArrowheads="1"/>
-          </p:cNvSpPr>
-          <p:nvPr/>
-        </p:nvSpPr>
-        <p:spPr bwMode="auto">
-          <a:xfrm>
-            <a:off x="228600" y="3124200"/>
-            <a:ext cx="8534400" cy="923330"/>
-          </a:xfrm>
-          <a:prstGeom prst="rect">
-            <a:avLst/>
-          </a:prstGeom>
-          <a:noFill/>
-          <a:ln w="9525">
-            <a:noFill/>
-            <a:miter lim="800000"/>
-            <a:headEnd/>
-            <a:tailEnd type="none" w="lg" len="lg"/>
-          </a:ln>
-        </p:spPr>
-        <p:txBody>
-          <a:bodyPr wrap="square">
-            <a:spAutoFit/>
-          </a:bodyPr>
-          <a:lstStyle/>
-          <a:p>
-            <a:r>
-              <a:rPr lang="en-US" sz="4400" dirty="0" err="1" smtClean="0">
-                <a:solidFill>
-                  <a:srgbClr val="7030A0"/>
-                </a:solidFill>
-                <a:latin typeface="Comic Sans MS" pitchFamily="66" charset="0"/>
-              </a:rPr>
-              <a:t>Thm</a:t>
-            </a:r>
-            <a:r>
-              <a:rPr lang="en-US" sz="4400" dirty="0" smtClean="0">
-                <a:solidFill>
-                  <a:srgbClr val="7030A0"/>
-                </a:solidFill>
-                <a:latin typeface="Comic Sans MS" pitchFamily="66" charset="0"/>
-              </a:rPr>
-              <a:t>:</a:t>
-            </a:r>
-            <a:r>
-              <a:rPr lang="en-US" sz="5400" dirty="0" smtClean="0">
-                <a:latin typeface="Comic Sans MS" pitchFamily="66" charset="0"/>
-              </a:rPr>
-              <a:t> </a:t>
-            </a:r>
-            <a:r>
-              <a:rPr lang="en-US" sz="4800" dirty="0" smtClean="0">
-                <a:latin typeface="Comic Sans MS" pitchFamily="66" charset="0"/>
-              </a:rPr>
-              <a:t>Get any amount </a:t>
-            </a:r>
-            <a:r>
-              <a:rPr lang="en-US" sz="4800" dirty="0" err="1" smtClean="0">
-                <a:solidFill>
-                  <a:srgbClr val="0000FF"/>
-                </a:solidFill>
-                <a:latin typeface="Comic Sans MS" pitchFamily="66" charset="0"/>
-              </a:rPr>
-              <a:t>n</a:t>
-            </a:r>
-            <a:r>
-              <a:rPr lang="en-US" sz="4800" dirty="0" smtClean="0">
-                <a:latin typeface="Comic Sans MS" pitchFamily="66" charset="0"/>
-              </a:rPr>
-              <a:t> </a:t>
-            </a:r>
-            <a:r>
-              <a:rPr lang="en-US" sz="4800" b="1" dirty="0" smtClean="0">
-                <a:latin typeface="Euclid Symbol"/>
-                <a:sym typeface="Euclid Symbol"/>
-              </a:rPr>
-              <a:t>≥ </a:t>
-            </a:r>
-            <a:r>
-              <a:rPr lang="en-US" sz="5400" dirty="0" smtClean="0">
-                <a:latin typeface="Comic Sans MS" pitchFamily="66" charset="0"/>
-              </a:rPr>
-              <a:t>8</a:t>
-            </a:r>
-            <a:r>
-              <a:rPr lang="en-US" sz="5400" dirty="0">
-                <a:latin typeface="Comic Sans MS" pitchFamily="66" charset="0"/>
-                <a:cs typeface="Times New Roman" pitchFamily="18" charset="0"/>
-              </a:rPr>
-              <a:t>¢</a:t>
-            </a:r>
-            <a:endParaRPr lang="en-US" sz="5400" dirty="0">
-              <a:latin typeface="Comic Sans MS" pitchFamily="66" charset="0"/>
-            </a:endParaRPr>
-          </a:p>
-        </p:txBody>
-      </p:sp>
-      <p:sp>
-        <p:nvSpPr>
-          <p:cNvPr id="345099" name="Text Box 11"/>
-          <p:cNvSpPr txBox="1">
-            <a:spLocks noChangeArrowheads="1"/>
-          </p:cNvSpPr>
-          <p:nvPr/>
-        </p:nvSpPr>
-        <p:spPr bwMode="auto">
-          <a:xfrm>
-            <a:off x="304800" y="4154031"/>
-            <a:ext cx="8382000" cy="2246769"/>
-          </a:xfrm>
-          <a:prstGeom prst="rect">
-            <a:avLst/>
-          </a:prstGeom>
-          <a:noFill/>
-          <a:ln w="9525">
-            <a:noFill/>
-            <a:miter lim="800000"/>
-            <a:headEnd/>
-            <a:tailEnd type="none" w="lg" len="lg"/>
-          </a:ln>
-        </p:spPr>
-        <p:txBody>
-          <a:bodyPr wrap="square">
-            <a:spAutoFit/>
-          </a:bodyPr>
-          <a:lstStyle/>
-          <a:p>
-            <a:r>
-              <a:rPr lang="en-US" sz="4800" dirty="0">
-                <a:latin typeface="Comic Sans MS" pitchFamily="66" charset="0"/>
-              </a:rPr>
-              <a:t>Prove by </a:t>
-            </a:r>
-            <a:r>
-              <a:rPr lang="en-US" sz="4800" dirty="0" smtClean="0">
-                <a:latin typeface="Comic Sans MS" pitchFamily="66" charset="0"/>
-              </a:rPr>
-              <a:t>WOP.  Suppose </a:t>
-            </a:r>
-            <a:r>
-              <a:rPr lang="en-US" sz="4800" dirty="0" smtClean="0">
-                <a:solidFill>
-                  <a:srgbClr val="C00000"/>
-                </a:solidFill>
-                <a:latin typeface="Comic Sans MS" pitchFamily="66" charset="0"/>
-              </a:rPr>
-              <a:t>not</a:t>
-            </a:r>
-            <a:r>
-              <a:rPr lang="en-US" sz="4800" dirty="0" smtClean="0">
-                <a:latin typeface="Comic Sans MS" pitchFamily="66" charset="0"/>
-              </a:rPr>
-              <a:t>.</a:t>
-            </a:r>
-          </a:p>
-          <a:p>
-            <a:r>
-              <a:rPr lang="en-US" sz="4400" dirty="0" smtClean="0">
-                <a:latin typeface="Comic Sans MS" pitchFamily="66" charset="0"/>
-              </a:rPr>
-              <a:t>Let </a:t>
-            </a:r>
-            <a:r>
-              <a:rPr lang="en-US" sz="4400" dirty="0" smtClean="0">
-                <a:solidFill>
-                  <a:srgbClr val="028822"/>
-                </a:solidFill>
-                <a:latin typeface="Comic Sans MS" pitchFamily="66" charset="0"/>
-              </a:rPr>
-              <a:t>m</a:t>
-            </a:r>
-            <a:r>
-              <a:rPr lang="en-US" sz="4400" dirty="0" smtClean="0">
-                <a:latin typeface="Comic Sans MS" pitchFamily="66" charset="0"/>
-              </a:rPr>
-              <a:t> be </a:t>
-            </a:r>
-            <a:r>
-              <a:rPr lang="en-US" sz="4400" dirty="0" smtClean="0">
-                <a:solidFill>
-                  <a:srgbClr val="028822"/>
-                </a:solidFill>
-                <a:latin typeface="Comic Sans MS" pitchFamily="66" charset="0"/>
-              </a:rPr>
-              <a:t>least</a:t>
-            </a:r>
-            <a:r>
-              <a:rPr lang="en-US" sz="4400" dirty="0" smtClean="0">
-                <a:latin typeface="Comic Sans MS" pitchFamily="66" charset="0"/>
-              </a:rPr>
-              <a:t> counterexample:</a:t>
-            </a:r>
-          </a:p>
-          <a:p>
-            <a:r>
-              <a:rPr lang="en-US" sz="4800" dirty="0" smtClean="0">
-                <a:latin typeface="Comic Sans MS" pitchFamily="66" charset="0"/>
-                <a:sym typeface="Euclid Symbol"/>
-              </a:rPr>
-              <a:t>if </a:t>
-            </a:r>
-            <a:r>
-              <a:rPr lang="en-US" sz="4800" dirty="0" smtClean="0">
-                <a:solidFill>
-                  <a:srgbClr val="028822"/>
-                </a:solidFill>
-                <a:latin typeface="Comic Sans MS" pitchFamily="66" charset="0"/>
-                <a:sym typeface="Euclid Symbol"/>
-              </a:rPr>
-              <a:t>m </a:t>
-            </a:r>
-            <a:r>
-              <a:rPr lang="en-US" sz="4800" dirty="0" smtClean="0">
-                <a:latin typeface="Times"/>
-                <a:sym typeface="Euclid Symbol"/>
-              </a:rPr>
-              <a:t>&gt;</a:t>
-            </a:r>
-            <a:r>
-              <a:rPr lang="en-US" sz="4800" b="1" dirty="0" smtClean="0">
-                <a:latin typeface="Times"/>
-                <a:sym typeface="Euclid Symbol"/>
-              </a:rPr>
-              <a:t> </a:t>
-            </a:r>
-            <a:r>
-              <a:rPr lang="en-US" sz="4800" dirty="0" err="1" smtClean="0">
-                <a:solidFill>
-                  <a:srgbClr val="0033CC"/>
-                </a:solidFill>
-                <a:latin typeface="Comic Sans MS" pitchFamily="66" charset="0"/>
-                <a:sym typeface="Euclid Symbol"/>
-              </a:rPr>
-              <a:t>n</a:t>
-            </a:r>
-            <a:r>
-              <a:rPr lang="en-US" sz="4800" b="1" dirty="0" smtClean="0">
-                <a:latin typeface="Comic Sans MS" pitchFamily="66" charset="0"/>
-                <a:sym typeface="Euclid Symbol"/>
-              </a:rPr>
-              <a:t> </a:t>
-            </a:r>
-            <a:r>
-              <a:rPr lang="en-US" sz="4800" b="1" dirty="0" smtClean="0">
-                <a:latin typeface="Euclid Symbol"/>
-                <a:sym typeface="Euclid Symbol"/>
-              </a:rPr>
-              <a:t>≥ </a:t>
-            </a:r>
-            <a:r>
-              <a:rPr lang="en-US" sz="4800" dirty="0" smtClean="0">
-                <a:latin typeface="Comic Sans MS" pitchFamily="66" charset="0"/>
-                <a:sym typeface="Euclid Symbol"/>
-              </a:rPr>
-              <a:t>8, can get </a:t>
-            </a:r>
-            <a:r>
-              <a:rPr lang="en-US" sz="4800" dirty="0" smtClean="0">
-                <a:solidFill>
-                  <a:srgbClr val="0033CC"/>
-                </a:solidFill>
-                <a:latin typeface="Comic Sans MS" pitchFamily="66" charset="0"/>
-                <a:sym typeface="Euclid Symbol"/>
-              </a:rPr>
-              <a:t>n</a:t>
-            </a:r>
-            <a:r>
-              <a:rPr lang="en-US" sz="4800" dirty="0" smtClean="0">
-                <a:latin typeface="Comic Sans MS" pitchFamily="66" charset="0"/>
-                <a:cs typeface="Times New Roman" pitchFamily="18" charset="0"/>
-              </a:rPr>
-              <a:t>¢.</a:t>
-            </a:r>
-            <a:endParaRPr lang="en-US" sz="3600" dirty="0">
-              <a:latin typeface="Comic Sans MS" pitchFamily="66" charset="0"/>
-              <a:cs typeface="Times New Roman" pitchFamily="18" charset="0"/>
-            </a:endParaRPr>
-          </a:p>
-        </p:txBody>
-      </p:sp>
-      <p:sp>
-        <p:nvSpPr>
-          <p:cNvPr id="22536" name="Rectangle 14"/>
-          <p:cNvSpPr>
-            <a:spLocks noGrp="1" noChangeArrowheads="1"/>
-          </p:cNvSpPr>
-          <p:nvPr>
-            <p:ph type="title"/>
-          </p:nvPr>
-        </p:nvSpPr>
-        <p:spPr>
-          <a:noFill/>
-        </p:spPr>
-        <p:txBody>
-          <a:bodyPr/>
-          <a:lstStyle/>
-          <a:p>
-            <a:r>
-              <a:rPr lang="en-US" dirty="0" smtClean="0"/>
-              <a:t>Well Ordered Postage</a:t>
-            </a:r>
-          </a:p>
-        </p:txBody>
-      </p:sp>
-    </p:spTree>
-  </p:cSld>
-  <p:clrMapOvr>
-    <a:masterClrMapping/>
-  </p:clrMapOvr>
-  <p:transition spd="slow">
-    <p:fade thruBlk="1"/>
-  </p:transition>
-  <p:timing>
-    <p:tnLst>
-      <p:par>
-        <p:cTn id="1" dur="indefinite" restart="never" nodeType="tmRoot">
-          <p:childTnLst>
-            <p:seq concurrent="1" nextAc="seek">
-              <p:cTn id="2" dur="indefinite" nodeType="mainSeq">
-                <p:childTnLst>
-                  <p:par>
-                    <p:cTn id="3" fill="hold">
-                      <p:stCondLst>
-                        <p:cond delay="indefinite"/>
-                      </p:stCondLst>
-                      <p:childTnLst>
-                        <p:par>
-                          <p:cTn id="4" fill="hold">
-                            <p:stCondLst>
-                              <p:cond delay="0"/>
-                            </p:stCondLst>
-                            <p:childTnLst>
-                              <p:par>
-                                <p:cTn id="5" presetID="1" presetClass="entr" presetSubtype="0" fill="hold" nodeType="clickEffect">
-                                  <p:stCondLst>
-                                    <p:cond delay="0"/>
-                                  </p:stCondLst>
-                                  <p:childTnLst>
-                                    <p:set>
-                                      <p:cBhvr>
-                                        <p:cTn id="6" dur="1" fill="hold">
-                                          <p:stCondLst>
-                                            <p:cond delay="0"/>
-                                          </p:stCondLst>
-                                        </p:cTn>
-                                        <p:tgtEl>
-                                          <p:spTgt spid="345099">
-                                            <p:txEl>
-                                              <p:pRg st="0" end="0"/>
-                                            </p:txEl>
-                                          </p:spTgt>
-                                        </p:tgtEl>
-                                        <p:attrNameLst>
-                                          <p:attrName>style.visibility</p:attrName>
-                                        </p:attrNameLst>
-                                      </p:cBhvr>
-                                      <p:to>
-                                        <p:strVal val="visible"/>
-                                      </p:to>
-                                    </p:set>
-                                  </p:childTnLst>
-                                </p:cTn>
-                              </p:par>
-                            </p:childTnLst>
-                          </p:cTn>
-                        </p:par>
-                      </p:childTnLst>
-                    </p:cTn>
-                  </p:par>
-                  <p:par>
-                    <p:cTn id="7" fill="hold">
-                      <p:stCondLst>
-                        <p:cond delay="indefinite"/>
-                      </p:stCondLst>
-                      <p:childTnLst>
-                        <p:par>
-                          <p:cTn id="8" fill="hold">
-                            <p:stCondLst>
-                              <p:cond delay="0"/>
-                            </p:stCondLst>
-                            <p:childTnLst>
-                              <p:par>
-                                <p:cTn id="9" presetID="1" presetClass="entr" presetSubtype="0" fill="hold" nodeType="clickEffect">
-                                  <p:stCondLst>
-                                    <p:cond delay="0"/>
-                                  </p:stCondLst>
-                                  <p:childTnLst>
-                                    <p:set>
-                                      <p:cBhvr>
-                                        <p:cTn id="10" dur="1" fill="hold">
-                                          <p:stCondLst>
-                                            <p:cond delay="0"/>
-                                          </p:stCondLst>
-                                        </p:cTn>
-                                        <p:tgtEl>
-                                          <p:spTgt spid="345099">
-                                            <p:txEl>
-                                              <p:pRg st="1" end="1"/>
-                                            </p:txEl>
-                                          </p:spTgt>
-                                        </p:tgtEl>
-                                        <p:attrNameLst>
-                                          <p:attrName>style.visibility</p:attrName>
-                                        </p:attrNameLst>
-                                      </p:cBhvr>
-                                      <p:to>
-                                        <p:strVal val="visible"/>
-                                      </p:to>
-                                    </p:set>
-                                  </p:childTnLst>
-                                </p:cTn>
-                              </p:par>
-                            </p:childTnLst>
-                          </p:cTn>
-                        </p:par>
-                      </p:childTnLst>
-                    </p:cTn>
-                  </p:par>
-                  <p:par>
-                    <p:cTn id="11" fill="hold">
-                      <p:stCondLst>
-                        <p:cond delay="indefinite"/>
-                      </p:stCondLst>
-                      <p:childTnLst>
-                        <p:par>
-                          <p:cTn id="12" fill="hold">
-                            <p:stCondLst>
-                              <p:cond delay="0"/>
-                            </p:stCondLst>
-                            <p:childTnLst>
-                              <p:par>
-                                <p:cTn id="13" presetID="1" presetClass="entr" presetSubtype="0" fill="hold" nodeType="clickEffect">
-                                  <p:stCondLst>
-                                    <p:cond delay="0"/>
-                                  </p:stCondLst>
-                                  <p:childTnLst>
-                                    <p:set>
-                                      <p:cBhvr>
-                                        <p:cTn id="14" dur="1" fill="hold">
-                                          <p:stCondLst>
-                                            <p:cond delay="0"/>
-                                          </p:stCondLst>
-                                        </p:cTn>
-                                        <p:tgtEl>
-                                          <p:spTgt spid="345099">
-                                            <p:txEl>
-                                              <p:pRg st="2" end="2"/>
-                                            </p:txEl>
-                                          </p:spTgt>
-                                        </p:tgtEl>
-                                        <p:attrNameLst>
-                                          <p:attrName>style.visibility</p:attrName>
-                                        </p:attrNameLst>
-                                      </p:cBhvr>
-                                      <p:to>
-                                        <p:strVal val="visible"/>
-                                      </p:to>
-                                    </p:set>
-                                  </p:childTnLst>
-                                </p:cTn>
-                              </p:par>
-                            </p:childTnLst>
-                          </p:cTn>
-                        </p:par>
-                      </p:childTnLst>
-                    </p:cTn>
-                  </p:par>
-                </p:childTnLst>
-              </p:cTn>
-              <p:prevCondLst>
-                <p:cond evt="onPrev" delay="0">
-                  <p:tgtEl>
-                    <p:sldTgt/>
-                  </p:tgtEl>
-                </p:cond>
-              </p:prevCondLst>
-              <p:nextCondLst>
-                <p:cond evt="onNext" delay="0">
-                  <p:tgtEl>
-                    <p:sldTgt/>
-                  </p:tgtEl>
-                </p:cond>
-              </p:nextCondLst>
-            </p:seq>
-          </p:childTnLst>
-        </p:cTn>
-      </p:par>
-    </p:tnLst>
-  </p:timing>
-</p:sld>
-</file>
-
-<file path=ppt/slides/slide13.xml><?xml version="1.0" encoding="utf-8"?>
+<file path=ppt/slides/slide14.xml><?xml version="1.0" encoding="utf-8"?>
 <p:sld xmlns:a="http://schemas.openxmlformats.org/drawingml/2006/main" xmlns:r="http://schemas.openxmlformats.org/officeDocument/2006/relationships" xmlns:mc="http://schemas.openxmlformats.org/markup-compatibility/2006" xmlns:mv="urn:schemas-microsoft-com:mac:vml" xmlns:p="http://schemas.openxmlformats.org/presentationml/2006/main" mc:Ignorable="mv" mc:PreserveAttributes="mv:*">
   <p:cSld>
     <p:spTree>
@@ -7352,7 +8562,7 @@
             <a:r>
               <a:rPr lang="en-US" sz="6000" dirty="0" err="1" smtClean="0">
                 <a:solidFill>
-                  <a:srgbClr val="028822"/>
+                  <a:srgbClr val="FF0000"/>
                 </a:solidFill>
                 <a:latin typeface="Comic Sans MS" pitchFamily="66" charset="0"/>
               </a:rPr>
@@ -7525,7 +8735,7 @@
             <a:r>
               <a:rPr lang="en-US" sz="6000" dirty="0" err="1" smtClean="0">
                 <a:solidFill>
-                  <a:srgbClr val="028822"/>
+                  <a:srgbClr val="FF0000"/>
                 </a:solidFill>
                 <a:latin typeface="Comic Sans MS" pitchFamily="66" charset="0"/>
               </a:rPr>
@@ -7589,7 +8799,7 @@
             <a:r>
               <a:rPr lang="en-US" sz="6000" dirty="0" err="1" smtClean="0">
                 <a:solidFill>
-                  <a:srgbClr val="028822"/>
+                  <a:srgbClr val="FF0000"/>
                 </a:solidFill>
                 <a:latin typeface="Comic Sans MS" pitchFamily="66" charset="0"/>
               </a:rPr>
@@ -8195,7 +9405,7 @@
 </p:sld>
 </file>
 
-<file path=ppt/slides/slide14.xml><?xml version="1.0" encoding="utf-8"?>
+<file path=ppt/slides/slide15.xml><?xml version="1.0" encoding="utf-8"?>
 <p:sld xmlns:a="http://schemas.openxmlformats.org/drawingml/2006/main" xmlns:r="http://schemas.openxmlformats.org/officeDocument/2006/relationships" xmlns:mc="http://schemas.openxmlformats.org/markup-compatibility/2006" xmlns:mv="urn:schemas-microsoft-com:mac:vml" xmlns:p="http://schemas.openxmlformats.org/presentationml/2006/main" mc:Ignorable="mv" mc:PreserveAttributes="mv:*">
   <p:cSld>
     <p:spTree>
@@ -8257,7 +9467,7 @@
             <a:r>
               <a:rPr lang="en-US" sz="6600" dirty="0" smtClean="0">
                 <a:solidFill>
-                  <a:srgbClr val="028822"/>
+                  <a:srgbClr val="FF0000"/>
                 </a:solidFill>
                 <a:latin typeface="Comic Sans MS" pitchFamily="66" charset="0"/>
               </a:rPr>
@@ -8328,7 +9538,7 @@
             <a:r>
               <a:rPr lang="en-US" sz="4800" dirty="0" err="1" smtClean="0">
                 <a:solidFill>
-                  <a:srgbClr val="028822"/>
+                  <a:srgbClr val="FF0000"/>
                 </a:solidFill>
                 <a:latin typeface="Comic Sans MS" pitchFamily="66" charset="0"/>
                 <a:sym typeface="Euclid Symbol"/>
@@ -8355,11 +9565,11 @@
             <a:r>
               <a:rPr lang="en-US" sz="4800" dirty="0" smtClean="0">
                 <a:solidFill>
-                  <a:srgbClr val="028822"/>
+                  <a:srgbClr val="029C27"/>
                 </a:solidFill>
                 <a:latin typeface="Comic Sans MS" pitchFamily="66" charset="0"/>
               </a:rPr>
-              <a:t>m</a:t>
+              <a:t>m-3</a:t>
             </a:r>
             <a:r>
               <a:rPr lang="en-US" sz="4800" dirty="0" smtClean="0">
@@ -8368,7 +9578,7 @@
                 </a:solidFill>
                 <a:latin typeface="Comic Sans MS" pitchFamily="66" charset="0"/>
               </a:rPr>
-              <a:t>-3 </a:t>
+              <a:t> </a:t>
             </a:r>
             <a:r>
               <a:rPr lang="en-US" sz="4800" b="1" dirty="0" smtClean="0">
@@ -8396,7 +9606,7 @@
             <a:r>
               <a:rPr lang="en-US" sz="4800" dirty="0" smtClean="0">
                 <a:solidFill>
-                  <a:srgbClr val="028822"/>
+                  <a:srgbClr val="029C27"/>
                 </a:solidFill>
                 <a:latin typeface="Comic Sans MS" pitchFamily="66" charset="0"/>
                 <a:sym typeface="Euclid Symbol"/>
@@ -8406,7 +9616,7 @@
             <a:r>
               <a:rPr lang="en-US" sz="4800" dirty="0" smtClean="0">
                 <a:solidFill>
-                  <a:srgbClr val="0033CC"/>
+                  <a:srgbClr val="029C27"/>
                 </a:solidFill>
                 <a:latin typeface="Comic Sans MS" pitchFamily="66" charset="0"/>
               </a:rPr>
@@ -8869,16 +10079,7 @@
                       </a:solidFill>
                       <a:latin typeface="Comic Sans MS" pitchFamily="66" charset="0"/>
                     </a:rPr>
-                    <a:t>m</a:t>
-                  </a:r>
-                  <a:r>
-                    <a:rPr lang="en-US" sz="6000" dirty="0" smtClean="0">
-                      <a:solidFill>
-                        <a:srgbClr val="0033CC"/>
-                      </a:solidFill>
-                      <a:latin typeface="Comic Sans MS" pitchFamily="66" charset="0"/>
-                    </a:rPr>
-                    <a:t>-3</a:t>
+                    <a:t>m-3</a:t>
                   </a:r>
                   <a:r>
                     <a:rPr lang="en-US" sz="5400" dirty="0" smtClean="0">
@@ -9392,7 +10593,7 @@
             <a:r>
               <a:rPr lang="en-US" sz="4800" dirty="0" err="1" smtClean="0">
                 <a:solidFill>
-                  <a:srgbClr val="028822"/>
+                  <a:srgbClr val="FF0000"/>
                 </a:solidFill>
                 <a:latin typeface="Comic Sans MS" pitchFamily="66" charset="0"/>
               </a:rPr>
@@ -9929,7 +11130,7 @@
 </p:sld>
 </file>
 
-<file path=ppt/slides/slide15.xml><?xml version="1.0" encoding="utf-8"?>
+<file path=ppt/slides/slide16.xml><?xml version="1.0" encoding="utf-8"?>
 <p:sld xmlns:a="http://schemas.openxmlformats.org/drawingml/2006/main" xmlns:r="http://schemas.openxmlformats.org/officeDocument/2006/relationships" xmlns:mc="http://schemas.openxmlformats.org/markup-compatibility/2006" xmlns:mv="urn:schemas-microsoft-com:mac:vml" xmlns:p="http://schemas.openxmlformats.org/presentationml/2006/main" mc:Ignorable="mv" mc:PreserveAttributes="mv:*">
   <p:cSld>
     <p:spTree>
@@ -10107,7 +11308,7 @@
             <a:r>
               <a:rPr lang="en-US" sz="4800" dirty="0" err="1" smtClean="0">
                 <a:solidFill>
-                  <a:srgbClr val="029C27"/>
+                  <a:srgbClr val="FF0000"/>
                 </a:solidFill>
                 <a:latin typeface="Comic Sans MS"/>
                 <a:cs typeface="Comic Sans MS"/>
@@ -10195,7 +11396,7 @@
             <a:r>
               <a:rPr lang="en-US" sz="4800" dirty="0" err="1" smtClean="0">
                 <a:solidFill>
-                  <a:srgbClr val="029C27"/>
+                  <a:srgbClr val="FF0000"/>
                 </a:solidFill>
                 <a:latin typeface="Comic Sans MS" pitchFamily="66" charset="0"/>
               </a:rPr>
@@ -10447,7 +11648,7 @@
 </p:sld>
 </file>
 
-<file path=ppt/slides/slide16.xml><?xml version="1.0" encoding="utf-8"?>
+<file path=ppt/slides/slide17.xml><?xml version="1.0" encoding="utf-8"?>
 <p:sld xmlns:a="http://schemas.openxmlformats.org/drawingml/2006/main" xmlns:r="http://schemas.openxmlformats.org/officeDocument/2006/relationships" xmlns:mc="http://schemas.openxmlformats.org/markup-compatibility/2006" xmlns:mv="urn:schemas-microsoft-com:mac:vml" xmlns:p="http://schemas.openxmlformats.org/presentationml/2006/main" mc:Ignorable="mv" mc:PreserveAttributes="mv:*">
   <p:cSld>
     <p:spTree>
@@ -10558,7 +11759,7 @@
             <a:r>
               <a:rPr lang="en-US" sz="5400" baseline="30000" dirty="0" err="1" smtClean="0">
                 <a:solidFill>
-                  <a:srgbClr val="008000"/>
+                  <a:srgbClr val="FF0000"/>
                 </a:solidFill>
                 <a:latin typeface="Comic Sans MS" pitchFamily="66" charset="0"/>
               </a:rPr>
@@ -10669,6 +11870,9 @@
             </a:r>
             <a:r>
               <a:rPr lang="en-US" sz="4800" b="1" dirty="0" smtClean="0">
+                <a:solidFill>
+                  <a:srgbClr val="008000"/>
+                </a:solidFill>
                 <a:latin typeface="Euclid Symbol" charset="2"/>
                 <a:cs typeface="Euclid Symbol" charset="2"/>
               </a:rPr>
@@ -10683,7 +11887,7 @@
             <a:r>
               <a:rPr lang="en-US" sz="4800" dirty="0" err="1" smtClean="0">
                 <a:solidFill>
-                  <a:srgbClr val="008000"/>
+                  <a:srgbClr val="FF0000"/>
                 </a:solidFill>
                 <a:latin typeface="Comic Sans MS" pitchFamily="66" charset="0"/>
               </a:rPr>
@@ -10707,11 +11911,20 @@
             <a:r>
               <a:rPr lang="en-US" sz="4800" dirty="0" smtClean="0">
                 <a:solidFill>
+                  <a:srgbClr val="740074"/>
+                </a:solidFill>
+                <a:latin typeface="Comic Sans MS" pitchFamily="66" charset="0"/>
+              </a:rPr>
+              <a:t>contradicting</a:t>
+            </a:r>
+            <a:r>
+              <a:rPr lang="en-US" sz="4800" dirty="0" smtClean="0">
+                <a:solidFill>
                   <a:srgbClr val="EE0000"/>
                 </a:solidFill>
                 <a:latin typeface="Comic Sans MS" pitchFamily="66" charset="0"/>
               </a:rPr>
-              <a:t>contradicting </a:t>
+              <a:t> </a:t>
             </a:r>
             <a:r>
               <a:rPr lang="en-US" sz="4800" b="1" dirty="0" smtClean="0">
@@ -11125,7 +12338,792 @@
 </p:sld>
 </file>
 
-<file path=ppt/slides/slide17.xml><?xml version="1.0" encoding="utf-8"?>
+<file path=ppt/slides/slide18.xml><?xml version="1.0" encoding="utf-8"?>
+<p:sld xmlns:a="http://schemas.openxmlformats.org/drawingml/2006/main" xmlns:r="http://schemas.openxmlformats.org/officeDocument/2006/relationships" xmlns:mc="http://schemas.openxmlformats.org/markup-compatibility/2006" xmlns:mv="urn:schemas-microsoft-com:mac:vml" xmlns:p="http://schemas.openxmlformats.org/presentationml/2006/main" mc:Ignorable="mv" mc:PreserveAttributes="mv:*">
+  <p:cSld>
+    <p:spTree>
+      <p:nvGrpSpPr>
+        <p:cNvPr id="1" name=""/>
+        <p:cNvGrpSpPr/>
+        <p:nvPr/>
+      </p:nvGrpSpPr>
+      <p:grpSpPr>
+        <a:xfrm>
+          <a:off x="0" y="0"/>
+          <a:ext cx="0" cy="0"/>
+          <a:chOff x="0" y="0"/>
+          <a:chExt cx="0" cy="0"/>
+        </a:xfrm>
+      </p:grpSpPr>
+      <p:sp>
+        <p:nvSpPr>
+          <p:cNvPr id="34819" name="Rectangle 2"/>
+          <p:cNvSpPr>
+            <a:spLocks noGrp="1" noChangeArrowheads="1"/>
+          </p:cNvSpPr>
+          <p:nvPr>
+            <p:ph type="title"/>
+          </p:nvPr>
+        </p:nvSpPr>
+        <p:spPr/>
+        <p:txBody>
+          <a:bodyPr/>
+          <a:lstStyle/>
+          <a:p>
+            <a:pPr eaLnBrk="1" hangingPunct="1"/>
+            <a:r>
+              <a:rPr lang="en-US" sz="3600" dirty="0" smtClean="0"/>
+              <a:t>Well Ordering Principle Proofs</a:t>
+            </a:r>
+          </a:p>
+        </p:txBody>
+      </p:sp>
+      <p:sp>
+        <p:nvSpPr>
+          <p:cNvPr id="355331" name="Rectangle 3"/>
+          <p:cNvSpPr>
+            <a:spLocks noGrp="1" noChangeArrowheads="1"/>
+          </p:cNvSpPr>
+          <p:nvPr>
+            <p:ph type="body" idx="1"/>
+          </p:nvPr>
+        </p:nvSpPr>
+        <p:spPr>
+          <a:xfrm>
+            <a:off x="228600" y="1447800"/>
+            <a:ext cx="8610600" cy="5029200"/>
+          </a:xfrm>
+        </p:spPr>
+        <p:txBody>
+          <a:bodyPr>
+            <a:noAutofit/>
+          </a:bodyPr>
+          <a:lstStyle/>
+          <a:p>
+            <a:pPr eaLnBrk="1" hangingPunct="1">
+              <a:buFontTx/>
+              <a:buNone/>
+            </a:pPr>
+            <a:r>
+              <a:rPr lang="en-US" sz="3800" dirty="0" smtClean="0"/>
+              <a:t>To prove </a:t>
+            </a:r>
+            <a:r>
+              <a:rPr lang="en-US" sz="3800" dirty="0" smtClean="0">
+                <a:solidFill>
+                  <a:srgbClr val="0033CC"/>
+                </a:solidFill>
+                <a:sym typeface="Euclid Symbol" pitchFamily="18" charset="2"/>
+              </a:rPr>
+              <a:t>                        </a:t>
+            </a:r>
+            <a:r>
+              <a:rPr lang="en-US" sz="3800" dirty="0" smtClean="0"/>
+              <a:t>using WOP:  </a:t>
+            </a:r>
+          </a:p>
+          <a:p>
+            <a:pPr eaLnBrk="1" hangingPunct="1">
+              <a:buFont typeface="Arial" pitchFamily="34" charset="0"/>
+              <a:buChar char="•"/>
+            </a:pPr>
+            <a:r>
+              <a:rPr lang="en-US" sz="3800" dirty="0" smtClean="0"/>
+              <a:t>define set of counterexamples </a:t>
+            </a:r>
+          </a:p>
+          <a:p>
+            <a:pPr eaLnBrk="1" hangingPunct="1"/>
+            <a:endParaRPr lang="en-US" sz="3800" dirty="0" smtClean="0"/>
+          </a:p>
+          <a:p>
+            <a:pPr eaLnBrk="1" hangingPunct="1">
+              <a:buFont typeface="Arial"/>
+              <a:buChar char="•"/>
+            </a:pPr>
+            <a:r>
+              <a:rPr lang="en-US" sz="3800" dirty="0" smtClean="0"/>
+              <a:t>assume </a:t>
+            </a:r>
+            <a:r>
+              <a:rPr lang="en-US" sz="3800" dirty="0" smtClean="0">
+                <a:solidFill>
+                  <a:srgbClr val="0033CC"/>
+                </a:solidFill>
+              </a:rPr>
+              <a:t>C</a:t>
+            </a:r>
+            <a:r>
+              <a:rPr lang="en-US" sz="3800" dirty="0" smtClean="0"/>
+              <a:t> is not empty.  By WOP, have minimum element</a:t>
+            </a:r>
+          </a:p>
+          <a:p>
+            <a:pPr eaLnBrk="1" hangingPunct="1">
+              <a:buFont typeface="Arial" pitchFamily="34" charset="0"/>
+              <a:buChar char="•"/>
+            </a:pPr>
+            <a:r>
+              <a:rPr lang="en-US" sz="3800" dirty="0" smtClean="0"/>
+              <a:t>Reach a </a:t>
+            </a:r>
+            <a:r>
+              <a:rPr lang="en-US" sz="3800" dirty="0" smtClean="0">
+                <a:solidFill>
+                  <a:srgbClr val="C00000"/>
+                </a:solidFill>
+              </a:rPr>
+              <a:t>contradiction</a:t>
+            </a:r>
+            <a:r>
+              <a:rPr lang="en-US" sz="3800" dirty="0" smtClean="0"/>
+              <a:t> </a:t>
+            </a:r>
+            <a:r>
+              <a:rPr lang="en-US" sz="3800" i="1" dirty="0" smtClean="0"/>
+              <a:t>somehow</a:t>
+            </a:r>
+            <a:r>
+              <a:rPr lang="en-US" sz="3800" dirty="0" smtClean="0"/>
+              <a:t> …</a:t>
+            </a:r>
+          </a:p>
+          <a:p>
+            <a:r>
+              <a:rPr lang="en-US" sz="3800" dirty="0" smtClean="0"/>
+              <a:t>  usually by finding          with </a:t>
+            </a:r>
+            <a:r>
+              <a:rPr lang="en-US" sz="3800" dirty="0" err="1" smtClean="0">
+                <a:solidFill>
+                  <a:srgbClr val="FF33CC"/>
+                </a:solidFill>
+              </a:rPr>
+              <a:t>c</a:t>
+            </a:r>
+            <a:r>
+              <a:rPr lang="en-US" sz="3800" dirty="0" smtClean="0">
+                <a:solidFill>
+                  <a:srgbClr val="FF33CC"/>
+                </a:solidFill>
+              </a:rPr>
+              <a:t> </a:t>
+            </a:r>
+            <a:r>
+              <a:rPr lang="en-US" sz="3800" b="1" dirty="0" smtClean="0">
+                <a:solidFill>
+                  <a:srgbClr val="EE0000"/>
+                </a:solidFill>
+                <a:latin typeface="Euclid Symbol" charset="2"/>
+                <a:cs typeface="Euclid Symbol" charset="2"/>
+              </a:rPr>
+              <a:t>&lt;</a:t>
+            </a:r>
+            <a:r>
+              <a:rPr lang="en-US" sz="3800" dirty="0" smtClean="0"/>
+              <a:t> </a:t>
+            </a:r>
+            <a:r>
+              <a:rPr lang="en-US" sz="3800" dirty="0" err="1" smtClean="0">
+                <a:solidFill>
+                  <a:srgbClr val="FF0000"/>
+                </a:solidFill>
+              </a:rPr>
+              <a:t>m</a:t>
+            </a:r>
+            <a:endParaRPr lang="en-US" sz="3800" dirty="0" smtClean="0">
+              <a:solidFill>
+                <a:srgbClr val="FF0000"/>
+              </a:solidFill>
+            </a:endParaRPr>
+          </a:p>
+        </p:txBody>
+      </p:sp>
+      <p:graphicFrame>
+        <p:nvGraphicFramePr>
+          <p:cNvPr id="4" name="Object 3"/>
+          <p:cNvGraphicFramePr>
+            <a:graphicFrameLocks noChangeAspect="1"/>
+          </p:cNvGraphicFramePr>
+          <p:nvPr/>
+        </p:nvGraphicFramePr>
+        <p:xfrm>
+          <a:off x="2438400" y="1354951"/>
+          <a:ext cx="3341594" cy="860714"/>
+        </p:xfrm>
+        <a:graphic>
+          <a:graphicData uri="http://schemas.openxmlformats.org/presentationml/2006/ole">
+            <p:oleObj spid="_x0000_s36866" name="Equation" r:id="rId4" imgW="838200" imgH="215900" progId="Equation.DSMT4">
+              <p:embed/>
+            </p:oleObj>
+          </a:graphicData>
+        </a:graphic>
+      </p:graphicFrame>
+      <p:graphicFrame>
+        <p:nvGraphicFramePr>
+          <p:cNvPr id="6" name="Object 5"/>
+          <p:cNvGraphicFramePr>
+            <a:graphicFrameLocks noChangeAspect="1"/>
+          </p:cNvGraphicFramePr>
+          <p:nvPr/>
+        </p:nvGraphicFramePr>
+        <p:xfrm>
+          <a:off x="4514850" y="3346450"/>
+          <a:ext cx="114300" cy="165100"/>
+        </p:xfrm>
+        <a:graphic>
+          <a:graphicData uri="http://schemas.openxmlformats.org/presentationml/2006/ole">
+            <p:oleObj spid="_x0000_s36867" name="Equation" r:id="rId5" imgW="114300" imgH="165100" progId="Equation.DSMT4">
+              <p:embed/>
+            </p:oleObj>
+          </a:graphicData>
+        </a:graphic>
+      </p:graphicFrame>
+      <p:graphicFrame>
+        <p:nvGraphicFramePr>
+          <p:cNvPr id="36868" name="Object 4"/>
+          <p:cNvGraphicFramePr>
+            <a:graphicFrameLocks noChangeAspect="1"/>
+          </p:cNvGraphicFramePr>
+          <p:nvPr/>
+        </p:nvGraphicFramePr>
+        <p:xfrm>
+          <a:off x="1651001" y="2614935"/>
+          <a:ext cx="5435599" cy="1118865"/>
+        </p:xfrm>
+        <a:graphic>
+          <a:graphicData uri="http://schemas.openxmlformats.org/presentationml/2006/ole">
+            <p:oleObj spid="_x0000_s36868" name="Equation" r:id="rId6" imgW="1663700" imgH="342900" progId="Equation.DSMT4">
+              <p:embed/>
+            </p:oleObj>
+          </a:graphicData>
+        </a:graphic>
+      </p:graphicFrame>
+      <p:graphicFrame>
+        <p:nvGraphicFramePr>
+          <p:cNvPr id="8" name="Object 7"/>
+          <p:cNvGraphicFramePr>
+            <a:graphicFrameLocks noChangeAspect="1"/>
+          </p:cNvGraphicFramePr>
+          <p:nvPr/>
+        </p:nvGraphicFramePr>
+        <p:xfrm>
+          <a:off x="5791200" y="4114800"/>
+          <a:ext cx="1645920" cy="609600"/>
+        </p:xfrm>
+        <a:graphic>
+          <a:graphicData uri="http://schemas.openxmlformats.org/presentationml/2006/ole">
+            <p:oleObj spid="_x0000_s36869" name="Equation" r:id="rId7" imgW="419100" imgH="190500" progId="Equation.DSMT4">
+              <p:embed/>
+            </p:oleObj>
+          </a:graphicData>
+        </a:graphic>
+      </p:graphicFrame>
+      <p:graphicFrame>
+        <p:nvGraphicFramePr>
+          <p:cNvPr id="36870" name="Object 6"/>
+          <p:cNvGraphicFramePr>
+            <a:graphicFrameLocks noChangeAspect="1"/>
+          </p:cNvGraphicFramePr>
+          <p:nvPr/>
+        </p:nvGraphicFramePr>
+        <p:xfrm>
+          <a:off x="4495800" y="5562600"/>
+          <a:ext cx="1445985" cy="609600"/>
+        </p:xfrm>
+        <a:graphic>
+          <a:graphicData uri="http://schemas.openxmlformats.org/presentationml/2006/ole">
+            <p:oleObj spid="_x0000_s36870" name="Equation" r:id="rId8" imgW="368300" imgH="190500" progId="Equation.DSMT4">
+              <p:embed/>
+            </p:oleObj>
+          </a:graphicData>
+        </a:graphic>
+      </p:graphicFrame>
+      <p:sp useBgFill="1">
+        <p:nvSpPr>
+          <p:cNvPr id="9" name="TextBox 8"/>
+          <p:cNvSpPr txBox="1"/>
+          <p:nvPr/>
+        </p:nvSpPr>
+        <p:spPr bwMode="auto">
+          <a:xfrm>
+            <a:off x="555692" y="5520524"/>
+            <a:ext cx="7880215" cy="727415"/>
+          </a:xfrm>
+          <a:prstGeom prst="rect">
+            <a:avLst/>
+          </a:prstGeom>
+          <a:ln w="9525">
+            <a:noFill/>
+            <a:miter lim="800000"/>
+            <a:headEnd/>
+            <a:tailEnd type="none" w="lg" len="lg"/>
+          </a:ln>
+        </p:spPr>
+        <p:txBody>
+          <a:bodyPr wrap="square" rtlCol="0">
+            <a:spAutoFit/>
+          </a:bodyPr>
+          <a:lstStyle/>
+          <a:p>
+            <a:r>
+              <a:rPr lang="en-US" sz="4000" dirty="0" smtClean="0">
+                <a:latin typeface="Comic Sans MS" pitchFamily="66" charset="0"/>
+              </a:rPr>
+              <a:t>     …or by proving</a:t>
+            </a:r>
+            <a:r>
+              <a:rPr lang="en-US" sz="4000" dirty="0" smtClean="0">
+                <a:solidFill>
+                  <a:srgbClr val="0000FF"/>
+                </a:solidFill>
+                <a:latin typeface="Comic Sans MS" pitchFamily="66" charset="0"/>
+              </a:rPr>
+              <a:t> </a:t>
+            </a:r>
+            <a:r>
+              <a:rPr lang="en-US" sz="4000" dirty="0" err="1" smtClean="0">
+                <a:solidFill>
+                  <a:srgbClr val="0000FF"/>
+                </a:solidFill>
+                <a:latin typeface="Comic Sans MS" pitchFamily="66" charset="0"/>
+              </a:rPr>
+              <a:t>P(</a:t>
+            </a:r>
+            <a:r>
+              <a:rPr lang="en-US" sz="4000" dirty="0" err="1" smtClean="0">
+                <a:solidFill>
+                  <a:srgbClr val="FF0000"/>
+                </a:solidFill>
+                <a:latin typeface="Comic Sans MS" pitchFamily="66" charset="0"/>
+              </a:rPr>
+              <a:t>m</a:t>
+            </a:r>
+            <a:r>
+              <a:rPr lang="en-US" sz="4000" dirty="0" smtClean="0">
+                <a:solidFill>
+                  <a:srgbClr val="0000FF"/>
+                </a:solidFill>
+                <a:latin typeface="Comic Sans MS" pitchFamily="66" charset="0"/>
+              </a:rPr>
+              <a:t>)</a:t>
+            </a:r>
+            <a:r>
+              <a:rPr lang="en-US" sz="4000" dirty="0" smtClean="0">
+                <a:latin typeface="Comic Sans MS" pitchFamily="66" charset="0"/>
+              </a:rPr>
+              <a:t>             </a:t>
+            </a:r>
+            <a:endParaRPr lang="en-US" sz="4000" dirty="0" smtClean="0">
+              <a:latin typeface="Comic Sans MS" pitchFamily="66" charset="0"/>
+            </a:endParaRPr>
+          </a:p>
+        </p:txBody>
+      </p:sp>
+    </p:spTree>
+  </p:cSld>
+  <p:clrMapOvr>
+    <a:masterClrMapping/>
+  </p:clrMapOvr>
+  <p:transition spd="slow">
+    <p:fade thruBlk="1"/>
+  </p:transition>
+  <p:timing>
+    <p:tnLst>
+      <p:par>
+        <p:cTn id="1" dur="indefinite" restart="never" nodeType="tmRoot">
+          <p:childTnLst>
+            <p:seq concurrent="1" nextAc="seek">
+              <p:cTn id="2" dur="indefinite" nodeType="mainSeq">
+                <p:childTnLst>
+                  <p:par>
+                    <p:cTn id="3" fill="hold">
+                      <p:stCondLst>
+                        <p:cond delay="indefinite"/>
+                      </p:stCondLst>
+                      <p:childTnLst>
+                        <p:par>
+                          <p:cTn id="4" fill="hold">
+                            <p:stCondLst>
+                              <p:cond delay="0"/>
+                            </p:stCondLst>
+                            <p:childTnLst>
+                              <p:par>
+                                <p:cTn id="5" presetID="1" presetClass="entr" presetSubtype="0" fill="hold" nodeType="clickEffect">
+                                  <p:stCondLst>
+                                    <p:cond delay="0"/>
+                                  </p:stCondLst>
+                                  <p:childTnLst>
+                                    <p:set>
+                                      <p:cBhvr>
+                                        <p:cTn id="6" dur="1" fill="hold">
+                                          <p:stCondLst>
+                                            <p:cond delay="0"/>
+                                          </p:stCondLst>
+                                        </p:cTn>
+                                        <p:tgtEl>
+                                          <p:spTgt spid="355331">
+                                            <p:txEl>
+                                              <p:pRg st="1" end="1"/>
+                                            </p:txEl>
+                                          </p:spTgt>
+                                        </p:tgtEl>
+                                        <p:attrNameLst>
+                                          <p:attrName>style.visibility</p:attrName>
+                                        </p:attrNameLst>
+                                      </p:cBhvr>
+                                      <p:to>
+                                        <p:strVal val="visible"/>
+                                      </p:to>
+                                    </p:set>
+                                  </p:childTnLst>
+                                </p:cTn>
+                              </p:par>
+                            </p:childTnLst>
+                          </p:cTn>
+                        </p:par>
+                        <p:par>
+                          <p:cTn id="7" fill="hold">
+                            <p:stCondLst>
+                              <p:cond delay="0"/>
+                            </p:stCondLst>
+                            <p:childTnLst>
+                              <p:par>
+                                <p:cTn id="8" presetID="22" presetClass="entr" presetSubtype="8" fill="hold" nodeType="afterEffect">
+                                  <p:stCondLst>
+                                    <p:cond delay="0"/>
+                                  </p:stCondLst>
+                                  <p:childTnLst>
+                                    <p:set>
+                                      <p:cBhvr>
+                                        <p:cTn id="9" dur="1" fill="hold">
+                                          <p:stCondLst>
+                                            <p:cond delay="0"/>
+                                          </p:stCondLst>
+                                        </p:cTn>
+                                        <p:tgtEl>
+                                          <p:spTgt spid="36868"/>
+                                        </p:tgtEl>
+                                        <p:attrNameLst>
+                                          <p:attrName>style.visibility</p:attrName>
+                                        </p:attrNameLst>
+                                      </p:cBhvr>
+                                      <p:to>
+                                        <p:strVal val="visible"/>
+                                      </p:to>
+                                    </p:set>
+                                    <p:animEffect transition="in" filter="wipe(left)">
+                                      <p:cBhvr>
+                                        <p:cTn id="10" dur="1000"/>
+                                        <p:tgtEl>
+                                          <p:spTgt spid="36868"/>
+                                        </p:tgtEl>
+                                      </p:cBhvr>
+                                    </p:animEffect>
+                                  </p:childTnLst>
+                                </p:cTn>
+                              </p:par>
+                            </p:childTnLst>
+                          </p:cTn>
+                        </p:par>
+                      </p:childTnLst>
+                    </p:cTn>
+                  </p:par>
+                  <p:par>
+                    <p:cTn id="11" fill="hold">
+                      <p:stCondLst>
+                        <p:cond delay="indefinite"/>
+                      </p:stCondLst>
+                      <p:childTnLst>
+                        <p:par>
+                          <p:cTn id="12" fill="hold">
+                            <p:stCondLst>
+                              <p:cond delay="0"/>
+                            </p:stCondLst>
+                            <p:childTnLst>
+                              <p:par>
+                                <p:cTn id="13" presetID="1" presetClass="entr" presetSubtype="0" fill="hold" nodeType="clickEffect">
+                                  <p:stCondLst>
+                                    <p:cond delay="0"/>
+                                  </p:stCondLst>
+                                  <p:childTnLst>
+                                    <p:set>
+                                      <p:cBhvr>
+                                        <p:cTn id="14" dur="1" fill="hold">
+                                          <p:stCondLst>
+                                            <p:cond delay="0"/>
+                                          </p:stCondLst>
+                                        </p:cTn>
+                                        <p:tgtEl>
+                                          <p:spTgt spid="355331">
+                                            <p:txEl>
+                                              <p:pRg st="3" end="3"/>
+                                            </p:txEl>
+                                          </p:spTgt>
+                                        </p:tgtEl>
+                                        <p:attrNameLst>
+                                          <p:attrName>style.visibility</p:attrName>
+                                        </p:attrNameLst>
+                                      </p:cBhvr>
+                                      <p:to>
+                                        <p:strVal val="visible"/>
+                                      </p:to>
+                                    </p:set>
+                                  </p:childTnLst>
+                                </p:cTn>
+                              </p:par>
+                              <p:par>
+                                <p:cTn id="15" presetID="1" presetClass="entr" presetSubtype="0" fill="hold" nodeType="withEffect">
+                                  <p:stCondLst>
+                                    <p:cond delay="0"/>
+                                  </p:stCondLst>
+                                  <p:childTnLst>
+                                    <p:set>
+                                      <p:cBhvr>
+                                        <p:cTn id="16" dur="1" fill="hold">
+                                          <p:stCondLst>
+                                            <p:cond delay="0"/>
+                                          </p:stCondLst>
+                                        </p:cTn>
+                                        <p:tgtEl>
+                                          <p:spTgt spid="8"/>
+                                        </p:tgtEl>
+                                        <p:attrNameLst>
+                                          <p:attrName>style.visibility</p:attrName>
+                                        </p:attrNameLst>
+                                      </p:cBhvr>
+                                      <p:to>
+                                        <p:strVal val="visible"/>
+                                      </p:to>
+                                    </p:set>
+                                  </p:childTnLst>
+                                </p:cTn>
+                              </p:par>
+                            </p:childTnLst>
+                          </p:cTn>
+                        </p:par>
+                      </p:childTnLst>
+                    </p:cTn>
+                  </p:par>
+                  <p:par>
+                    <p:cTn id="17" fill="hold">
+                      <p:stCondLst>
+                        <p:cond delay="indefinite"/>
+                      </p:stCondLst>
+                      <p:childTnLst>
+                        <p:par>
+                          <p:cTn id="18" fill="hold">
+                            <p:stCondLst>
+                              <p:cond delay="0"/>
+                            </p:stCondLst>
+                            <p:childTnLst>
+                              <p:par>
+                                <p:cTn id="19" presetID="1" presetClass="entr" presetSubtype="0" fill="hold" nodeType="clickEffect">
+                                  <p:stCondLst>
+                                    <p:cond delay="0"/>
+                                  </p:stCondLst>
+                                  <p:childTnLst>
+                                    <p:set>
+                                      <p:cBhvr>
+                                        <p:cTn id="20" dur="1" fill="hold">
+                                          <p:stCondLst>
+                                            <p:cond delay="0"/>
+                                          </p:stCondLst>
+                                        </p:cTn>
+                                        <p:tgtEl>
+                                          <p:spTgt spid="355331">
+                                            <p:txEl>
+                                              <p:pRg st="4" end="4"/>
+                                            </p:txEl>
+                                          </p:spTgt>
+                                        </p:tgtEl>
+                                        <p:attrNameLst>
+                                          <p:attrName>style.visibility</p:attrName>
+                                        </p:attrNameLst>
+                                      </p:cBhvr>
+                                      <p:to>
+                                        <p:strVal val="visible"/>
+                                      </p:to>
+                                    </p:set>
+                                  </p:childTnLst>
+                                </p:cTn>
+                              </p:par>
+                            </p:childTnLst>
+                          </p:cTn>
+                        </p:par>
+                      </p:childTnLst>
+                    </p:cTn>
+                  </p:par>
+                  <p:par>
+                    <p:cTn id="21" fill="hold">
+                      <p:stCondLst>
+                        <p:cond delay="indefinite"/>
+                      </p:stCondLst>
+                      <p:childTnLst>
+                        <p:par>
+                          <p:cTn id="22" fill="hold">
+                            <p:stCondLst>
+                              <p:cond delay="0"/>
+                            </p:stCondLst>
+                            <p:childTnLst>
+                              <p:par>
+                                <p:cTn id="23" presetID="9" presetClass="entr" presetSubtype="0" fill="hold" nodeType="clickEffect">
+                                  <p:stCondLst>
+                                    <p:cond delay="0"/>
+                                  </p:stCondLst>
+                                  <p:childTnLst>
+                                    <p:set>
+                                      <p:cBhvr>
+                                        <p:cTn id="24" dur="1" fill="hold">
+                                          <p:stCondLst>
+                                            <p:cond delay="0"/>
+                                          </p:stCondLst>
+                                        </p:cTn>
+                                        <p:tgtEl>
+                                          <p:spTgt spid="355331">
+                                            <p:txEl>
+                                              <p:pRg st="5" end="5"/>
+                                            </p:txEl>
+                                          </p:spTgt>
+                                        </p:tgtEl>
+                                        <p:attrNameLst>
+                                          <p:attrName>style.visibility</p:attrName>
+                                        </p:attrNameLst>
+                                      </p:cBhvr>
+                                      <p:to>
+                                        <p:strVal val="visible"/>
+                                      </p:to>
+                                    </p:set>
+                                    <p:animEffect transition="in" filter="dissolve">
+                                      <p:cBhvr>
+                                        <p:cTn id="25" dur="500"/>
+                                        <p:tgtEl>
+                                          <p:spTgt spid="355331">
+                                            <p:txEl>
+                                              <p:pRg st="5" end="5"/>
+                                            </p:txEl>
+                                          </p:spTgt>
+                                        </p:tgtEl>
+                                      </p:cBhvr>
+                                    </p:animEffect>
+                                  </p:childTnLst>
+                                </p:cTn>
+                              </p:par>
+                              <p:par>
+                                <p:cTn id="26" presetID="1" presetClass="entr" presetSubtype="0" fill="hold" nodeType="withEffect">
+                                  <p:stCondLst>
+                                    <p:cond delay="0"/>
+                                  </p:stCondLst>
+                                  <p:childTnLst>
+                                    <p:set>
+                                      <p:cBhvr>
+                                        <p:cTn id="27" dur="1" fill="hold">
+                                          <p:stCondLst>
+                                            <p:cond delay="0"/>
+                                          </p:stCondLst>
+                                        </p:cTn>
+                                        <p:tgtEl>
+                                          <p:spTgt spid="36870"/>
+                                        </p:tgtEl>
+                                        <p:attrNameLst>
+                                          <p:attrName>style.visibility</p:attrName>
+                                        </p:attrNameLst>
+                                      </p:cBhvr>
+                                      <p:to>
+                                        <p:strVal val="visible"/>
+                                      </p:to>
+                                    </p:set>
+                                  </p:childTnLst>
+                                </p:cTn>
+                              </p:par>
+                            </p:childTnLst>
+                          </p:cTn>
+                        </p:par>
+                      </p:childTnLst>
+                    </p:cTn>
+                  </p:par>
+                  <p:par>
+                    <p:cTn id="28" fill="hold">
+                      <p:stCondLst>
+                        <p:cond delay="indefinite"/>
+                      </p:stCondLst>
+                      <p:childTnLst>
+                        <p:par>
+                          <p:cTn id="29" fill="hold">
+                            <p:stCondLst>
+                              <p:cond delay="0"/>
+                            </p:stCondLst>
+                            <p:childTnLst>
+                              <p:par>
+                                <p:cTn id="30" presetID="10" presetClass="entr" presetSubtype="0" fill="hold" grpId="0" nodeType="clickEffect">
+                                  <p:stCondLst>
+                                    <p:cond delay="0"/>
+                                  </p:stCondLst>
+                                  <p:childTnLst>
+                                    <p:set>
+                                      <p:cBhvr>
+                                        <p:cTn id="31" dur="1" fill="hold">
+                                          <p:stCondLst>
+                                            <p:cond delay="0"/>
+                                          </p:stCondLst>
+                                        </p:cTn>
+                                        <p:tgtEl>
+                                          <p:spTgt spid="9"/>
+                                        </p:tgtEl>
+                                        <p:attrNameLst>
+                                          <p:attrName>style.visibility</p:attrName>
+                                        </p:attrNameLst>
+                                      </p:cBhvr>
+                                      <p:to>
+                                        <p:strVal val="visible"/>
+                                      </p:to>
+                                    </p:set>
+                                    <p:animEffect transition="in" filter="fade">
+                                      <p:cBhvr>
+                                        <p:cTn id="32" dur="1000"/>
+                                        <p:tgtEl>
+                                          <p:spTgt spid="9"/>
+                                        </p:tgtEl>
+                                      </p:cBhvr>
+                                    </p:animEffect>
+                                  </p:childTnLst>
+                                </p:cTn>
+                              </p:par>
+                            </p:childTnLst>
+                          </p:cTn>
+                        </p:par>
+                      </p:childTnLst>
+                    </p:cTn>
+                  </p:par>
+                </p:childTnLst>
+              </p:cTn>
+              <p:prevCondLst>
+                <p:cond evt="onPrev" delay="0">
+                  <p:tgtEl>
+                    <p:sldTgt/>
+                  </p:tgtEl>
+                </p:cond>
+              </p:prevCondLst>
+              <p:nextCondLst>
+                <p:cond evt="onNext" delay="0">
+                  <p:tgtEl>
+                    <p:sldTgt/>
+                  </p:tgtEl>
+                </p:cond>
+              </p:nextCondLst>
+            </p:seq>
+          </p:childTnLst>
+        </p:cTn>
+      </p:par>
+    </p:tnLst>
+    <p:bldLst>
+      <p:bldP spid="9" grpId="0" animBg="1"/>
+    </p:bldLst>
+  </p:timing>
+</p:sld>
+</file>
+
+<file path=ppt/slides/slide19.xml><?xml version="1.0" encoding="utf-8"?>
 <p:sld xmlns:a="http://schemas.openxmlformats.org/drawingml/2006/main" xmlns:r="http://schemas.openxmlformats.org/officeDocument/2006/relationships" xmlns:mc="http://schemas.openxmlformats.org/markup-compatibility/2006" xmlns:mv="urn:schemas-microsoft-com:mac:vml" xmlns:p="http://schemas.openxmlformats.org/presentationml/2006/main" mc:Ignorable="mv" mc:PreserveAttributes="mv:*">
   <p:cSld>
     <p:spTree>
